--- a/23-25_Automatic-Control-Lab/Projects/25_SemanticOSL/25_SemanticOSL.pptx
+++ b/23-25_Automatic-Control-Lab/Projects/25_SemanticOSL/25_SemanticOSL.pptx
@@ -4,8 +4,14 @@
   <p:sldMasterIdLst>
     <p:sldMasterId id="2147483648" r:id="rId1"/>
   </p:sldMasterIdLst>
+  <p:notesMasterIdLst>
+    <p:notesMasterId r:id="rId6"/>
+  </p:notesMasterIdLst>
   <p:sldIdLst>
     <p:sldId id="257" r:id="rId2"/>
+    <p:sldId id="512" r:id="rId3"/>
+    <p:sldId id="513" r:id="rId4"/>
+    <p:sldId id="514" r:id="rId5"/>
   </p:sldIdLst>
   <p:sldSz cx="12192000" cy="6858000"/>
   <p:notesSz cx="6858000" cy="9144000"/>
@@ -112,6 +118,463 @@
 </p:presentation>
 </file>
 
+<file path=ppt/notesMasters/notesMaster1.xml><?xml version="1.0" encoding="utf-8"?>
+<p:notesMaster xmlns:a="http://schemas.openxmlformats.org/drawingml/2006/main" xmlns:r="http://schemas.openxmlformats.org/officeDocument/2006/relationships" xmlns:p="http://schemas.openxmlformats.org/presentationml/2006/main">
+  <p:cSld>
+    <p:bg>
+      <p:bgRef idx="1001">
+        <a:schemeClr val="bg1"/>
+      </p:bgRef>
+    </p:bg>
+    <p:spTree>
+      <p:nvGrpSpPr>
+        <p:cNvPr id="1" name=""/>
+        <p:cNvGrpSpPr/>
+        <p:nvPr/>
+      </p:nvGrpSpPr>
+      <p:grpSpPr>
+        <a:xfrm>
+          <a:off x="0" y="0"/>
+          <a:ext cx="0" cy="0"/>
+          <a:chOff x="0" y="0"/>
+          <a:chExt cx="0" cy="0"/>
+        </a:xfrm>
+      </p:grpSpPr>
+      <p:sp>
+        <p:nvSpPr>
+          <p:cNvPr id="2" name="Header Placeholder 1"/>
+          <p:cNvSpPr>
+            <a:spLocks noGrp="1"/>
+          </p:cNvSpPr>
+          <p:nvPr>
+            <p:ph type="hdr" sz="quarter"/>
+          </p:nvPr>
+        </p:nvSpPr>
+        <p:spPr>
+          <a:xfrm>
+            <a:off x="0" y="0"/>
+            <a:ext cx="2971800" cy="458788"/>
+          </a:xfrm>
+          <a:prstGeom prst="rect">
+            <a:avLst/>
+          </a:prstGeom>
+        </p:spPr>
+        <p:txBody>
+          <a:bodyPr vert="horz" lIns="91440" tIns="45720" rIns="91440" bIns="45720" rtlCol="0"/>
+          <a:lstStyle>
+            <a:lvl1pPr algn="l">
+              <a:defRPr sz="1200"/>
+            </a:lvl1pPr>
+          </a:lstStyle>
+          <a:p>
+            <a:endParaRPr lang="en-US"/>
+          </a:p>
+        </p:txBody>
+      </p:sp>
+      <p:sp>
+        <p:nvSpPr>
+          <p:cNvPr id="3" name="Date Placeholder 2"/>
+          <p:cNvSpPr>
+            <a:spLocks noGrp="1"/>
+          </p:cNvSpPr>
+          <p:nvPr>
+            <p:ph type="dt" idx="1"/>
+          </p:nvPr>
+        </p:nvSpPr>
+        <p:spPr>
+          <a:xfrm>
+            <a:off x="3884613" y="0"/>
+            <a:ext cx="2971800" cy="458788"/>
+          </a:xfrm>
+          <a:prstGeom prst="rect">
+            <a:avLst/>
+          </a:prstGeom>
+        </p:spPr>
+        <p:txBody>
+          <a:bodyPr vert="horz" lIns="91440" tIns="45720" rIns="91440" bIns="45720" rtlCol="0"/>
+          <a:lstStyle>
+            <a:lvl1pPr algn="r">
+              <a:defRPr sz="1200"/>
+            </a:lvl1pPr>
+          </a:lstStyle>
+          <a:p>
+            <a:fld id="{6244C50A-7C51-4BDB-BCDF-67BD78DE27DE}" type="datetimeFigureOut">
+              <a:rPr lang="en-US" smtClean="0"/>
+              <a:t>2/28/2025</a:t>
+            </a:fld>
+            <a:endParaRPr lang="en-US"/>
+          </a:p>
+        </p:txBody>
+      </p:sp>
+      <p:sp>
+        <p:nvSpPr>
+          <p:cNvPr id="4" name="Slide Image Placeholder 3"/>
+          <p:cNvSpPr>
+            <a:spLocks noGrp="1" noRot="1" noChangeAspect="1"/>
+          </p:cNvSpPr>
+          <p:nvPr>
+            <p:ph type="sldImg" idx="2"/>
+          </p:nvPr>
+        </p:nvSpPr>
+        <p:spPr>
+          <a:xfrm>
+            <a:off x="685800" y="1143000"/>
+            <a:ext cx="5486400" cy="3086100"/>
+          </a:xfrm>
+          <a:prstGeom prst="rect">
+            <a:avLst/>
+          </a:prstGeom>
+          <a:noFill/>
+          <a:ln w="12700">
+            <a:solidFill>
+              <a:prstClr val="black"/>
+            </a:solidFill>
+          </a:ln>
+        </p:spPr>
+        <p:txBody>
+          <a:bodyPr vert="horz" lIns="91440" tIns="45720" rIns="91440" bIns="45720" rtlCol="0" anchor="ctr"/>
+          <a:lstStyle/>
+          <a:p>
+            <a:endParaRPr lang="en-US"/>
+          </a:p>
+        </p:txBody>
+      </p:sp>
+      <p:sp>
+        <p:nvSpPr>
+          <p:cNvPr id="5" name="Notes Placeholder 4"/>
+          <p:cNvSpPr>
+            <a:spLocks noGrp="1"/>
+          </p:cNvSpPr>
+          <p:nvPr>
+            <p:ph type="body" sz="quarter" idx="3"/>
+          </p:nvPr>
+        </p:nvSpPr>
+        <p:spPr>
+          <a:xfrm>
+            <a:off x="685800" y="4400550"/>
+            <a:ext cx="5486400" cy="3600450"/>
+          </a:xfrm>
+          <a:prstGeom prst="rect">
+            <a:avLst/>
+          </a:prstGeom>
+        </p:spPr>
+        <p:txBody>
+          <a:bodyPr vert="horz" lIns="91440" tIns="45720" rIns="91440" bIns="45720" rtlCol="0"/>
+          <a:lstStyle/>
+          <a:p>
+            <a:pPr lvl="0"/>
+            <a:r>
+              <a:rPr lang="en-US"/>
+              <a:t>Click to edit Master text styles</a:t>
+            </a:r>
+          </a:p>
+          <a:p>
+            <a:pPr lvl="1"/>
+            <a:r>
+              <a:rPr lang="en-US"/>
+              <a:t>Second level</a:t>
+            </a:r>
+          </a:p>
+          <a:p>
+            <a:pPr lvl="2"/>
+            <a:r>
+              <a:rPr lang="en-US"/>
+              <a:t>Third level</a:t>
+            </a:r>
+          </a:p>
+          <a:p>
+            <a:pPr lvl="3"/>
+            <a:r>
+              <a:rPr lang="en-US"/>
+              <a:t>Fourth level</a:t>
+            </a:r>
+          </a:p>
+          <a:p>
+            <a:pPr lvl="4"/>
+            <a:r>
+              <a:rPr lang="en-US"/>
+              <a:t>Fifth level</a:t>
+            </a:r>
+          </a:p>
+        </p:txBody>
+      </p:sp>
+      <p:sp>
+        <p:nvSpPr>
+          <p:cNvPr id="6" name="Footer Placeholder 5"/>
+          <p:cNvSpPr>
+            <a:spLocks noGrp="1"/>
+          </p:cNvSpPr>
+          <p:nvPr>
+            <p:ph type="ftr" sz="quarter" idx="4"/>
+          </p:nvPr>
+        </p:nvSpPr>
+        <p:spPr>
+          <a:xfrm>
+            <a:off x="0" y="8685213"/>
+            <a:ext cx="2971800" cy="458787"/>
+          </a:xfrm>
+          <a:prstGeom prst="rect">
+            <a:avLst/>
+          </a:prstGeom>
+        </p:spPr>
+        <p:txBody>
+          <a:bodyPr vert="horz" lIns="91440" tIns="45720" rIns="91440" bIns="45720" rtlCol="0" anchor="b"/>
+          <a:lstStyle>
+            <a:lvl1pPr algn="l">
+              <a:defRPr sz="1200"/>
+            </a:lvl1pPr>
+          </a:lstStyle>
+          <a:p>
+            <a:endParaRPr lang="en-US"/>
+          </a:p>
+        </p:txBody>
+      </p:sp>
+      <p:sp>
+        <p:nvSpPr>
+          <p:cNvPr id="7" name="Slide Number Placeholder 6"/>
+          <p:cNvSpPr>
+            <a:spLocks noGrp="1"/>
+          </p:cNvSpPr>
+          <p:nvPr>
+            <p:ph type="sldNum" sz="quarter" idx="5"/>
+          </p:nvPr>
+        </p:nvSpPr>
+        <p:spPr>
+          <a:xfrm>
+            <a:off x="3884613" y="8685213"/>
+            <a:ext cx="2971800" cy="458787"/>
+          </a:xfrm>
+          <a:prstGeom prst="rect">
+            <a:avLst/>
+          </a:prstGeom>
+        </p:spPr>
+        <p:txBody>
+          <a:bodyPr vert="horz" lIns="91440" tIns="45720" rIns="91440" bIns="45720" rtlCol="0" anchor="b"/>
+          <a:lstStyle>
+            <a:lvl1pPr algn="r">
+              <a:defRPr sz="1200"/>
+            </a:lvl1pPr>
+          </a:lstStyle>
+          <a:p>
+            <a:fld id="{412F06AB-C2ED-47B7-9B0C-8BBDA14C59F2}" type="slidenum">
+              <a:rPr lang="en-US" smtClean="0"/>
+              <a:t>‹#›</a:t>
+            </a:fld>
+            <a:endParaRPr lang="en-US"/>
+          </a:p>
+        </p:txBody>
+      </p:sp>
+    </p:spTree>
+    <p:extLst>
+      <p:ext uri="{BB962C8B-B14F-4D97-AF65-F5344CB8AC3E}">
+        <p14:creationId xmlns:p14="http://schemas.microsoft.com/office/powerpoint/2010/main" val="272029012"/>
+      </p:ext>
+    </p:extLst>
+  </p:cSld>
+  <p:clrMap bg1="lt1" tx1="dk1" bg2="lt2" tx2="dk2" accent1="accent1" accent2="accent2" accent3="accent3" accent4="accent4" accent5="accent5" accent6="accent6" hlink="hlink" folHlink="folHlink"/>
+  <p:notesStyle>
+    <a:lvl1pPr marL="0" algn="l" defTabSz="914400" rtl="0" eaLnBrk="1" latinLnBrk="0" hangingPunct="1">
+      <a:defRPr sz="1200" kern="1200">
+        <a:solidFill>
+          <a:schemeClr val="tx1"/>
+        </a:solidFill>
+        <a:latin typeface="+mn-lt"/>
+        <a:ea typeface="+mn-ea"/>
+        <a:cs typeface="+mn-cs"/>
+      </a:defRPr>
+    </a:lvl1pPr>
+    <a:lvl2pPr marL="457200" algn="l" defTabSz="914400" rtl="0" eaLnBrk="1" latinLnBrk="0" hangingPunct="1">
+      <a:defRPr sz="1200" kern="1200">
+        <a:solidFill>
+          <a:schemeClr val="tx1"/>
+        </a:solidFill>
+        <a:latin typeface="+mn-lt"/>
+        <a:ea typeface="+mn-ea"/>
+        <a:cs typeface="+mn-cs"/>
+      </a:defRPr>
+    </a:lvl2pPr>
+    <a:lvl3pPr marL="914400" algn="l" defTabSz="914400" rtl="0" eaLnBrk="1" latinLnBrk="0" hangingPunct="1">
+      <a:defRPr sz="1200" kern="1200">
+        <a:solidFill>
+          <a:schemeClr val="tx1"/>
+        </a:solidFill>
+        <a:latin typeface="+mn-lt"/>
+        <a:ea typeface="+mn-ea"/>
+        <a:cs typeface="+mn-cs"/>
+      </a:defRPr>
+    </a:lvl3pPr>
+    <a:lvl4pPr marL="1371600" algn="l" defTabSz="914400" rtl="0" eaLnBrk="1" latinLnBrk="0" hangingPunct="1">
+      <a:defRPr sz="1200" kern="1200">
+        <a:solidFill>
+          <a:schemeClr val="tx1"/>
+        </a:solidFill>
+        <a:latin typeface="+mn-lt"/>
+        <a:ea typeface="+mn-ea"/>
+        <a:cs typeface="+mn-cs"/>
+      </a:defRPr>
+    </a:lvl4pPr>
+    <a:lvl5pPr marL="1828800" algn="l" defTabSz="914400" rtl="0" eaLnBrk="1" latinLnBrk="0" hangingPunct="1">
+      <a:defRPr sz="1200" kern="1200">
+        <a:solidFill>
+          <a:schemeClr val="tx1"/>
+        </a:solidFill>
+        <a:latin typeface="+mn-lt"/>
+        <a:ea typeface="+mn-ea"/>
+        <a:cs typeface="+mn-cs"/>
+      </a:defRPr>
+    </a:lvl5pPr>
+    <a:lvl6pPr marL="2286000" algn="l" defTabSz="914400" rtl="0" eaLnBrk="1" latinLnBrk="0" hangingPunct="1">
+      <a:defRPr sz="1200" kern="1200">
+        <a:solidFill>
+          <a:schemeClr val="tx1"/>
+        </a:solidFill>
+        <a:latin typeface="+mn-lt"/>
+        <a:ea typeface="+mn-ea"/>
+        <a:cs typeface="+mn-cs"/>
+      </a:defRPr>
+    </a:lvl6pPr>
+    <a:lvl7pPr marL="2743200" algn="l" defTabSz="914400" rtl="0" eaLnBrk="1" latinLnBrk="0" hangingPunct="1">
+      <a:defRPr sz="1200" kern="1200">
+        <a:solidFill>
+          <a:schemeClr val="tx1"/>
+        </a:solidFill>
+        <a:latin typeface="+mn-lt"/>
+        <a:ea typeface="+mn-ea"/>
+        <a:cs typeface="+mn-cs"/>
+      </a:defRPr>
+    </a:lvl7pPr>
+    <a:lvl8pPr marL="3200400" algn="l" defTabSz="914400" rtl="0" eaLnBrk="1" latinLnBrk="0" hangingPunct="1">
+      <a:defRPr sz="1200" kern="1200">
+        <a:solidFill>
+          <a:schemeClr val="tx1"/>
+        </a:solidFill>
+        <a:latin typeface="+mn-lt"/>
+        <a:ea typeface="+mn-ea"/>
+        <a:cs typeface="+mn-cs"/>
+      </a:defRPr>
+    </a:lvl8pPr>
+    <a:lvl9pPr marL="3657600" algn="l" defTabSz="914400" rtl="0" eaLnBrk="1" latinLnBrk="0" hangingPunct="1">
+      <a:defRPr sz="1200" kern="1200">
+        <a:solidFill>
+          <a:schemeClr val="tx1"/>
+        </a:solidFill>
+        <a:latin typeface="+mn-lt"/>
+        <a:ea typeface="+mn-ea"/>
+        <a:cs typeface="+mn-cs"/>
+      </a:defRPr>
+    </a:lvl9pPr>
+  </p:notesStyle>
+</p:notesMaster>
+</file>
+
+<file path=ppt/notesSlides/notesSlide1.xml><?xml version="1.0" encoding="utf-8"?>
+<p:notes xmlns:a="http://schemas.openxmlformats.org/drawingml/2006/main" xmlns:r="http://schemas.openxmlformats.org/officeDocument/2006/relationships" xmlns:p="http://schemas.openxmlformats.org/presentationml/2006/main">
+  <p:cSld>
+    <p:spTree>
+      <p:nvGrpSpPr>
+        <p:cNvPr id="1" name="">
+          <a:extLst>
+            <a:ext uri="{FF2B5EF4-FFF2-40B4-BE49-F238E27FC236}">
+              <a16:creationId xmlns:a16="http://schemas.microsoft.com/office/drawing/2014/main" id="{5DC70980-67D1-D91D-2F96-6CF4DBDC34D0}"/>
+            </a:ext>
+          </a:extLst>
+        </p:cNvPr>
+        <p:cNvGrpSpPr/>
+        <p:nvPr/>
+      </p:nvGrpSpPr>
+      <p:grpSpPr>
+        <a:xfrm>
+          <a:off x="0" y="0"/>
+          <a:ext cx="0" cy="0"/>
+          <a:chOff x="0" y="0"/>
+          <a:chExt cx="0" cy="0"/>
+        </a:xfrm>
+      </p:grpSpPr>
+      <p:sp>
+        <p:nvSpPr>
+          <p:cNvPr id="2" name="Slide Image Placeholder 1">
+            <a:extLst>
+              <a:ext uri="{FF2B5EF4-FFF2-40B4-BE49-F238E27FC236}">
+                <a16:creationId xmlns:a16="http://schemas.microsoft.com/office/drawing/2014/main" id="{7A042700-B2D2-45AC-0230-FB34E779FD9F}"/>
+              </a:ext>
+            </a:extLst>
+          </p:cNvPr>
+          <p:cNvSpPr>
+            <a:spLocks noGrp="1" noRot="1" noChangeAspect="1"/>
+          </p:cNvSpPr>
+          <p:nvPr>
+            <p:ph type="sldImg"/>
+          </p:nvPr>
+        </p:nvSpPr>
+        <p:spPr/>
+      </p:sp>
+      <p:sp>
+        <p:nvSpPr>
+          <p:cNvPr id="3" name="Notes Placeholder 2">
+            <a:extLst>
+              <a:ext uri="{FF2B5EF4-FFF2-40B4-BE49-F238E27FC236}">
+                <a16:creationId xmlns:a16="http://schemas.microsoft.com/office/drawing/2014/main" id="{CBC04BF1-879F-3794-2363-B872A60EC1C4}"/>
+              </a:ext>
+            </a:extLst>
+          </p:cNvPr>
+          <p:cNvSpPr>
+            <a:spLocks noGrp="1"/>
+          </p:cNvSpPr>
+          <p:nvPr>
+            <p:ph type="body" idx="1"/>
+          </p:nvPr>
+        </p:nvSpPr>
+        <p:spPr/>
+        <p:txBody>
+          <a:bodyPr/>
+          <a:lstStyle/>
+          <a:p>
+            <a:endParaRPr lang="en-US" dirty="0"/>
+          </a:p>
+        </p:txBody>
+      </p:sp>
+      <p:sp>
+        <p:nvSpPr>
+          <p:cNvPr id="4" name="Slide Number Placeholder 3">
+            <a:extLst>
+              <a:ext uri="{FF2B5EF4-FFF2-40B4-BE49-F238E27FC236}">
+                <a16:creationId xmlns:a16="http://schemas.microsoft.com/office/drawing/2014/main" id="{BB3D4A47-25F8-EC03-D5E7-383E62BA646F}"/>
+              </a:ext>
+            </a:extLst>
+          </p:cNvPr>
+          <p:cNvSpPr>
+            <a:spLocks noGrp="1"/>
+          </p:cNvSpPr>
+          <p:nvPr>
+            <p:ph type="sldNum" sz="quarter" idx="5"/>
+          </p:nvPr>
+        </p:nvSpPr>
+        <p:spPr/>
+        <p:txBody>
+          <a:bodyPr/>
+          <a:lstStyle/>
+          <a:p>
+            <a:fld id="{52C834D3-AB6C-4E11-A7D3-C21061ADE638}" type="slidenum">
+              <a:rPr lang="en-US" smtClean="0"/>
+              <a:t>2</a:t>
+            </a:fld>
+            <a:endParaRPr lang="en-US"/>
+          </a:p>
+        </p:txBody>
+      </p:sp>
+    </p:spTree>
+    <p:extLst>
+      <p:ext uri="{BB962C8B-B14F-4D97-AF65-F5344CB8AC3E}">
+        <p14:creationId xmlns:p14="http://schemas.microsoft.com/office/powerpoint/2010/main" val="919189301"/>
+      </p:ext>
+    </p:extLst>
+  </p:cSld>
+  <p:clrMapOvr>
+    <a:masterClrMapping/>
+  </p:clrMapOvr>
+</p:notes>
+</file>
+
 <file path=ppt/slideLayouts/slideLayout1.xml><?xml version="1.0" encoding="utf-8"?>
 <p:sldLayout xmlns:a="http://schemas.openxmlformats.org/drawingml/2006/main" xmlns:r="http://schemas.openxmlformats.org/officeDocument/2006/relationships" xmlns:p="http://schemas.openxmlformats.org/presentationml/2006/main" type="title" preserve="1">
   <p:cSld name="Title Slide">
@@ -259,7 +722,7 @@
           <a:p>
             <a:fld id="{C0113328-2D00-4EFD-85EC-C9230796752C}" type="datetimeFigureOut">
               <a:rPr lang="en-US" smtClean="0"/>
-              <a:t>1/24/2025</a:t>
+              <a:t>2/28/2025</a:t>
             </a:fld>
             <a:endParaRPr lang="en-US"/>
           </a:p>
@@ -457,7 +920,7 @@
           <a:p>
             <a:fld id="{C0113328-2D00-4EFD-85EC-C9230796752C}" type="datetimeFigureOut">
               <a:rPr lang="en-US" smtClean="0"/>
-              <a:t>1/24/2025</a:t>
+              <a:t>2/28/2025</a:t>
             </a:fld>
             <a:endParaRPr lang="en-US"/>
           </a:p>
@@ -665,7 +1128,7 @@
           <a:p>
             <a:fld id="{C0113328-2D00-4EFD-85EC-C9230796752C}" type="datetimeFigureOut">
               <a:rPr lang="en-US" smtClean="0"/>
-              <a:t>1/24/2025</a:t>
+              <a:t>2/28/2025</a:t>
             </a:fld>
             <a:endParaRPr lang="en-US"/>
           </a:p>
@@ -863,7 +1326,7 @@
           <a:p>
             <a:fld id="{C0113328-2D00-4EFD-85EC-C9230796752C}" type="datetimeFigureOut">
               <a:rPr lang="en-US" smtClean="0"/>
-              <a:t>1/24/2025</a:t>
+              <a:t>2/28/2025</a:t>
             </a:fld>
             <a:endParaRPr lang="en-US"/>
           </a:p>
@@ -1138,7 +1601,7 @@
           <a:p>
             <a:fld id="{C0113328-2D00-4EFD-85EC-C9230796752C}" type="datetimeFigureOut">
               <a:rPr lang="en-US" smtClean="0"/>
-              <a:t>1/24/2025</a:t>
+              <a:t>2/28/2025</a:t>
             </a:fld>
             <a:endParaRPr lang="en-US"/>
           </a:p>
@@ -1403,7 +1866,7 @@
           <a:p>
             <a:fld id="{C0113328-2D00-4EFD-85EC-C9230796752C}" type="datetimeFigureOut">
               <a:rPr lang="en-US" smtClean="0"/>
-              <a:t>1/24/2025</a:t>
+              <a:t>2/28/2025</a:t>
             </a:fld>
             <a:endParaRPr lang="en-US"/>
           </a:p>
@@ -1815,7 +2278,7 @@
           <a:p>
             <a:fld id="{C0113328-2D00-4EFD-85EC-C9230796752C}" type="datetimeFigureOut">
               <a:rPr lang="en-US" smtClean="0"/>
-              <a:t>1/24/2025</a:t>
+              <a:t>2/28/2025</a:t>
             </a:fld>
             <a:endParaRPr lang="en-US"/>
           </a:p>
@@ -1956,7 +2419,7 @@
           <a:p>
             <a:fld id="{C0113328-2D00-4EFD-85EC-C9230796752C}" type="datetimeFigureOut">
               <a:rPr lang="en-US" smtClean="0"/>
-              <a:t>1/24/2025</a:t>
+              <a:t>2/28/2025</a:t>
             </a:fld>
             <a:endParaRPr lang="en-US"/>
           </a:p>
@@ -2069,7 +2532,7 @@
           <a:p>
             <a:fld id="{C0113328-2D00-4EFD-85EC-C9230796752C}" type="datetimeFigureOut">
               <a:rPr lang="en-US" smtClean="0"/>
-              <a:t>1/24/2025</a:t>
+              <a:t>2/28/2025</a:t>
             </a:fld>
             <a:endParaRPr lang="en-US"/>
           </a:p>
@@ -2380,7 +2843,7 @@
           <a:p>
             <a:fld id="{C0113328-2D00-4EFD-85EC-C9230796752C}" type="datetimeFigureOut">
               <a:rPr lang="en-US" smtClean="0"/>
-              <a:t>1/24/2025</a:t>
+              <a:t>2/28/2025</a:t>
             </a:fld>
             <a:endParaRPr lang="en-US"/>
           </a:p>
@@ -2668,7 +3131,7 @@
           <a:p>
             <a:fld id="{C0113328-2D00-4EFD-85EC-C9230796752C}" type="datetimeFigureOut">
               <a:rPr lang="en-US" smtClean="0"/>
-              <a:t>1/24/2025</a:t>
+              <a:t>2/28/2025</a:t>
             </a:fld>
             <a:endParaRPr lang="en-US"/>
           </a:p>
@@ -2909,7 +3372,7 @@
           <a:p>
             <a:fld id="{C0113328-2D00-4EFD-85EC-C9230796752C}" type="datetimeFigureOut">
               <a:rPr lang="en-US" smtClean="0"/>
-              <a:t>1/24/2025</a:t>
+              <a:t>2/28/2025</a:t>
             </a:fld>
             <a:endParaRPr lang="en-US"/>
           </a:p>
@@ -4708,6 +5171,2563 @@
 </p:sld>
 </file>
 
+<file path=ppt/slides/slide2.xml><?xml version="1.0" encoding="utf-8"?>
+<p:sld xmlns:a="http://schemas.openxmlformats.org/drawingml/2006/main" xmlns:r="http://schemas.openxmlformats.org/officeDocument/2006/relationships" xmlns:p="http://schemas.openxmlformats.org/presentationml/2006/main">
+  <p:cSld>
+    <p:spTree>
+      <p:nvGrpSpPr>
+        <p:cNvPr id="1" name="">
+          <a:extLst>
+            <a:ext uri="{FF2B5EF4-FFF2-40B4-BE49-F238E27FC236}">
+              <a16:creationId xmlns:a16="http://schemas.microsoft.com/office/drawing/2014/main" id="{2146C837-D8E9-0364-88E2-269EDB67CFBD}"/>
+            </a:ext>
+          </a:extLst>
+        </p:cNvPr>
+        <p:cNvGrpSpPr/>
+        <p:nvPr/>
+      </p:nvGrpSpPr>
+      <p:grpSpPr>
+        <a:xfrm>
+          <a:off x="0" y="0"/>
+          <a:ext cx="0" cy="0"/>
+          <a:chOff x="0" y="0"/>
+          <a:chExt cx="0" cy="0"/>
+        </a:xfrm>
+      </p:grpSpPr>
+      <p:sp>
+        <p:nvSpPr>
+          <p:cNvPr id="50" name="Rectangle: Rounded Corners 49">
+            <a:extLst>
+              <a:ext uri="{FF2B5EF4-FFF2-40B4-BE49-F238E27FC236}">
+                <a16:creationId xmlns:a16="http://schemas.microsoft.com/office/drawing/2014/main" id="{CFF862ED-255C-DA3E-888E-CB7526232774}"/>
+              </a:ext>
+            </a:extLst>
+          </p:cNvPr>
+          <p:cNvSpPr/>
+          <p:nvPr/>
+        </p:nvSpPr>
+        <p:spPr>
+          <a:xfrm>
+            <a:off x="2907104" y="1752418"/>
+            <a:ext cx="1904449" cy="2571932"/>
+          </a:xfrm>
+          <a:prstGeom prst="roundRect">
+            <a:avLst>
+              <a:gd name="adj" fmla="val 5758"/>
+            </a:avLst>
+          </a:prstGeom>
+          <a:solidFill>
+            <a:schemeClr val="bg1">
+              <a:lumMod val="95000"/>
+            </a:schemeClr>
+          </a:solidFill>
+          <a:ln>
+            <a:solidFill>
+              <a:schemeClr val="tx1"/>
+            </a:solidFill>
+          </a:ln>
+        </p:spPr>
+        <p:style>
+          <a:lnRef idx="2">
+            <a:schemeClr val="accent1">
+              <a:shade val="15000"/>
+            </a:schemeClr>
+          </a:lnRef>
+          <a:fillRef idx="1">
+            <a:schemeClr val="accent1"/>
+          </a:fillRef>
+          <a:effectRef idx="0">
+            <a:schemeClr val="accent1"/>
+          </a:effectRef>
+          <a:fontRef idx="minor">
+            <a:schemeClr val="lt1"/>
+          </a:fontRef>
+        </p:style>
+        <p:txBody>
+          <a:bodyPr rtlCol="0" anchor="ctr"/>
+          <a:lstStyle/>
+          <a:p>
+            <a:pPr algn="ctr"/>
+            <a:endParaRPr lang="en-US" dirty="0"/>
+          </a:p>
+        </p:txBody>
+      </p:sp>
+      <p:sp>
+        <p:nvSpPr>
+          <p:cNvPr id="69" name="Rectangle: Rounded Corners 68">
+            <a:extLst>
+              <a:ext uri="{FF2B5EF4-FFF2-40B4-BE49-F238E27FC236}">
+                <a16:creationId xmlns:a16="http://schemas.microsoft.com/office/drawing/2014/main" id="{77488991-872B-99BC-E481-0BE35B0847E0}"/>
+              </a:ext>
+            </a:extLst>
+          </p:cNvPr>
+          <p:cNvSpPr/>
+          <p:nvPr/>
+        </p:nvSpPr>
+        <p:spPr>
+          <a:xfrm>
+            <a:off x="2928073" y="1824944"/>
+            <a:ext cx="1855492" cy="1821123"/>
+          </a:xfrm>
+          <a:prstGeom prst="roundRect">
+            <a:avLst>
+              <a:gd name="adj" fmla="val 3760"/>
+            </a:avLst>
+          </a:prstGeom>
+          <a:solidFill>
+            <a:schemeClr val="bg1"/>
+          </a:solidFill>
+          <a:ln>
+            <a:solidFill>
+              <a:schemeClr val="tx1"/>
+            </a:solidFill>
+            <a:prstDash val="dash"/>
+          </a:ln>
+        </p:spPr>
+        <p:style>
+          <a:lnRef idx="2">
+            <a:schemeClr val="accent1">
+              <a:shade val="15000"/>
+            </a:schemeClr>
+          </a:lnRef>
+          <a:fillRef idx="1">
+            <a:schemeClr val="accent1"/>
+          </a:fillRef>
+          <a:effectRef idx="0">
+            <a:schemeClr val="accent1"/>
+          </a:effectRef>
+          <a:fontRef idx="minor">
+            <a:schemeClr val="lt1"/>
+          </a:fontRef>
+        </p:style>
+        <p:txBody>
+          <a:bodyPr rtlCol="0" anchor="ctr"/>
+          <a:lstStyle/>
+          <a:p>
+            <a:pPr algn="ctr"/>
+            <a:endParaRPr lang="en-US" dirty="0"/>
+          </a:p>
+        </p:txBody>
+      </p:sp>
+      <p:sp>
+        <p:nvSpPr>
+          <p:cNvPr id="65" name="Rectangle: Rounded Corners 64">
+            <a:extLst>
+              <a:ext uri="{FF2B5EF4-FFF2-40B4-BE49-F238E27FC236}">
+                <a16:creationId xmlns:a16="http://schemas.microsoft.com/office/drawing/2014/main" id="{442A2B43-B81A-1FBF-20C7-AE6246D95746}"/>
+              </a:ext>
+            </a:extLst>
+          </p:cNvPr>
+          <p:cNvSpPr/>
+          <p:nvPr/>
+        </p:nvSpPr>
+        <p:spPr>
+          <a:xfrm>
+            <a:off x="2928073" y="1825800"/>
+            <a:ext cx="1855492" cy="1390894"/>
+          </a:xfrm>
+          <a:prstGeom prst="roundRect">
+            <a:avLst>
+              <a:gd name="adj" fmla="val 3760"/>
+            </a:avLst>
+          </a:prstGeom>
+          <a:solidFill>
+            <a:schemeClr val="bg1"/>
+          </a:solidFill>
+          <a:ln>
+            <a:solidFill>
+              <a:schemeClr val="tx1"/>
+            </a:solidFill>
+          </a:ln>
+        </p:spPr>
+        <p:style>
+          <a:lnRef idx="2">
+            <a:schemeClr val="accent1">
+              <a:shade val="15000"/>
+            </a:schemeClr>
+          </a:lnRef>
+          <a:fillRef idx="1">
+            <a:schemeClr val="accent1"/>
+          </a:fillRef>
+          <a:effectRef idx="0">
+            <a:schemeClr val="accent1"/>
+          </a:effectRef>
+          <a:fontRef idx="minor">
+            <a:schemeClr val="lt1"/>
+          </a:fontRef>
+        </p:style>
+        <p:txBody>
+          <a:bodyPr rtlCol="0" anchor="ctr"/>
+          <a:lstStyle/>
+          <a:p>
+            <a:pPr algn="ctr"/>
+            <a:endParaRPr lang="en-US" dirty="0"/>
+          </a:p>
+        </p:txBody>
+      </p:sp>
+      <p:sp>
+        <p:nvSpPr>
+          <p:cNvPr id="4" name="Rectangle: Rounded Corners 3">
+            <a:extLst>
+              <a:ext uri="{FF2B5EF4-FFF2-40B4-BE49-F238E27FC236}">
+                <a16:creationId xmlns:a16="http://schemas.microsoft.com/office/drawing/2014/main" id="{A0F1BBDC-2887-4738-CFFE-1318DE90F536}"/>
+              </a:ext>
+            </a:extLst>
+          </p:cNvPr>
+          <p:cNvSpPr/>
+          <p:nvPr/>
+        </p:nvSpPr>
+        <p:spPr>
+          <a:xfrm>
+            <a:off x="5169796" y="2999880"/>
+            <a:ext cx="2300984" cy="723244"/>
+          </a:xfrm>
+          <a:prstGeom prst="roundRect">
+            <a:avLst/>
+          </a:prstGeom>
+          <a:solidFill>
+            <a:schemeClr val="accent4">
+              <a:lumMod val="20000"/>
+              <a:lumOff val="80000"/>
+            </a:schemeClr>
+          </a:solidFill>
+          <a:ln>
+            <a:solidFill>
+              <a:schemeClr val="accent6"/>
+            </a:solidFill>
+          </a:ln>
+        </p:spPr>
+        <p:style>
+          <a:lnRef idx="2">
+            <a:schemeClr val="accent1">
+              <a:shade val="15000"/>
+            </a:schemeClr>
+          </a:lnRef>
+          <a:fillRef idx="1">
+            <a:schemeClr val="accent1"/>
+          </a:fillRef>
+          <a:effectRef idx="0">
+            <a:schemeClr val="accent1"/>
+          </a:effectRef>
+          <a:fontRef idx="minor">
+            <a:schemeClr val="lt1"/>
+          </a:fontRef>
+        </p:style>
+        <p:txBody>
+          <a:bodyPr rtlCol="0" anchor="ctr"/>
+          <a:lstStyle/>
+          <a:p>
+            <a:pPr algn="ctr"/>
+            <a:endParaRPr lang="en-US" dirty="0"/>
+          </a:p>
+        </p:txBody>
+      </p:sp>
+      <p:sp>
+        <p:nvSpPr>
+          <p:cNvPr id="5" name="Rectangle: Rounded Corners 4">
+            <a:extLst>
+              <a:ext uri="{FF2B5EF4-FFF2-40B4-BE49-F238E27FC236}">
+                <a16:creationId xmlns:a16="http://schemas.microsoft.com/office/drawing/2014/main" id="{D7E415AD-71B4-2DB8-5989-9C4920CBB86D}"/>
+              </a:ext>
+            </a:extLst>
+          </p:cNvPr>
+          <p:cNvSpPr/>
+          <p:nvPr/>
+        </p:nvSpPr>
+        <p:spPr>
+          <a:xfrm>
+            <a:off x="5227049" y="3245173"/>
+            <a:ext cx="638312" cy="387073"/>
+          </a:xfrm>
+          <a:prstGeom prst="roundRect">
+            <a:avLst/>
+          </a:prstGeom>
+          <a:solidFill>
+            <a:schemeClr val="bg1"/>
+          </a:solidFill>
+          <a:ln>
+            <a:solidFill>
+              <a:schemeClr val="accent6"/>
+            </a:solidFill>
+          </a:ln>
+        </p:spPr>
+        <p:style>
+          <a:lnRef idx="2">
+            <a:schemeClr val="accent1">
+              <a:shade val="15000"/>
+            </a:schemeClr>
+          </a:lnRef>
+          <a:fillRef idx="1">
+            <a:schemeClr val="accent1"/>
+          </a:fillRef>
+          <a:effectRef idx="0">
+            <a:schemeClr val="accent1"/>
+          </a:effectRef>
+          <a:fontRef idx="minor">
+            <a:schemeClr val="lt1"/>
+          </a:fontRef>
+        </p:style>
+        <p:txBody>
+          <a:bodyPr rtlCol="0" anchor="ctr"/>
+          <a:lstStyle/>
+          <a:p>
+            <a:pPr algn="ctr"/>
+            <a:r>
+              <a:rPr lang="en-US" sz="900" b="1" dirty="0">
+                <a:solidFill>
+                  <a:schemeClr val="accent1">
+                    <a:lumMod val="75000"/>
+                  </a:schemeClr>
+                </a:solidFill>
+              </a:rPr>
+              <a:t>Vision Analysis</a:t>
+            </a:r>
+          </a:p>
+        </p:txBody>
+      </p:sp>
+      <p:sp>
+        <p:nvSpPr>
+          <p:cNvPr id="6" name="Rectangle: Rounded Corners 5">
+            <a:extLst>
+              <a:ext uri="{FF2B5EF4-FFF2-40B4-BE49-F238E27FC236}">
+                <a16:creationId xmlns:a16="http://schemas.microsoft.com/office/drawing/2014/main" id="{5BB710DD-D6B4-E98F-F0BD-36F6F69CB02D}"/>
+              </a:ext>
+            </a:extLst>
+          </p:cNvPr>
+          <p:cNvSpPr/>
+          <p:nvPr/>
+        </p:nvSpPr>
+        <p:spPr>
+          <a:xfrm>
+            <a:off x="5910550" y="3245173"/>
+            <a:ext cx="701857" cy="387073"/>
+          </a:xfrm>
+          <a:prstGeom prst="roundRect">
+            <a:avLst/>
+          </a:prstGeom>
+          <a:solidFill>
+            <a:schemeClr val="bg1"/>
+          </a:solidFill>
+          <a:ln>
+            <a:solidFill>
+              <a:schemeClr val="accent6"/>
+            </a:solidFill>
+          </a:ln>
+        </p:spPr>
+        <p:style>
+          <a:lnRef idx="2">
+            <a:schemeClr val="accent1">
+              <a:shade val="15000"/>
+            </a:schemeClr>
+          </a:lnRef>
+          <a:fillRef idx="1">
+            <a:schemeClr val="accent1"/>
+          </a:fillRef>
+          <a:effectRef idx="0">
+            <a:schemeClr val="accent1"/>
+          </a:effectRef>
+          <a:fontRef idx="minor">
+            <a:schemeClr val="lt1"/>
+          </a:fontRef>
+        </p:style>
+        <p:txBody>
+          <a:bodyPr rtlCol="0" anchor="ctr"/>
+          <a:lstStyle/>
+          <a:p>
+            <a:pPr algn="ctr"/>
+            <a:r>
+              <a:rPr lang="en-US" sz="900" b="1" dirty="0">
+                <a:solidFill>
+                  <a:schemeClr val="accent2"/>
+                </a:solidFill>
+              </a:rPr>
+              <a:t>Olfaction Analysis</a:t>
+            </a:r>
+          </a:p>
+        </p:txBody>
+      </p:sp>
+      <p:sp>
+        <p:nvSpPr>
+          <p:cNvPr id="7" name="Rectangle: Rounded Corners 6">
+            <a:extLst>
+              <a:ext uri="{FF2B5EF4-FFF2-40B4-BE49-F238E27FC236}">
+                <a16:creationId xmlns:a16="http://schemas.microsoft.com/office/drawing/2014/main" id="{48634DDF-57EC-2412-A678-A1444EC42AC3}"/>
+              </a:ext>
+            </a:extLst>
+          </p:cNvPr>
+          <p:cNvSpPr/>
+          <p:nvPr/>
+        </p:nvSpPr>
+        <p:spPr>
+          <a:xfrm>
+            <a:off x="6645697" y="3245173"/>
+            <a:ext cx="756910" cy="387073"/>
+          </a:xfrm>
+          <a:prstGeom prst="roundRect">
+            <a:avLst/>
+          </a:prstGeom>
+          <a:solidFill>
+            <a:schemeClr val="bg1"/>
+          </a:solidFill>
+          <a:ln>
+            <a:solidFill>
+              <a:schemeClr val="accent6"/>
+            </a:solidFill>
+          </a:ln>
+        </p:spPr>
+        <p:style>
+          <a:lnRef idx="2">
+            <a:schemeClr val="accent1">
+              <a:shade val="15000"/>
+            </a:schemeClr>
+          </a:lnRef>
+          <a:fillRef idx="1">
+            <a:schemeClr val="accent1"/>
+          </a:fillRef>
+          <a:effectRef idx="0">
+            <a:schemeClr val="accent1"/>
+          </a:effectRef>
+          <a:fontRef idx="minor">
+            <a:schemeClr val="lt1"/>
+          </a:fontRef>
+        </p:style>
+        <p:txBody>
+          <a:bodyPr rtlCol="0" anchor="ctr"/>
+          <a:lstStyle/>
+          <a:p>
+            <a:pPr algn="ctr"/>
+            <a:r>
+              <a:rPr lang="en-US" sz="900" b="1" dirty="0">
+                <a:solidFill>
+                  <a:schemeClr val="accent6">
+                    <a:lumMod val="50000"/>
+                  </a:schemeClr>
+                </a:solidFill>
+              </a:rPr>
+              <a:t>Navigation Analysis</a:t>
+            </a:r>
+          </a:p>
+        </p:txBody>
+      </p:sp>
+      <p:sp>
+        <p:nvSpPr>
+          <p:cNvPr id="8" name="TextBox 7">
+            <a:extLst>
+              <a:ext uri="{FF2B5EF4-FFF2-40B4-BE49-F238E27FC236}">
+                <a16:creationId xmlns:a16="http://schemas.microsoft.com/office/drawing/2014/main" id="{751A6CE1-15EB-73A8-3C80-6BC7780F50A9}"/>
+              </a:ext>
+            </a:extLst>
+          </p:cNvPr>
+          <p:cNvSpPr txBox="1"/>
+          <p:nvPr/>
+        </p:nvSpPr>
+        <p:spPr>
+          <a:xfrm>
+            <a:off x="5750576" y="2962767"/>
+            <a:ext cx="1139424" cy="305886"/>
+          </a:xfrm>
+          <a:prstGeom prst="rect">
+            <a:avLst/>
+          </a:prstGeom>
+          <a:noFill/>
+        </p:spPr>
+        <p:txBody>
+          <a:bodyPr wrap="none" rtlCol="0">
+            <a:spAutoFit/>
+          </a:bodyPr>
+          <a:lstStyle/>
+          <a:p>
+            <a:pPr algn="ctr"/>
+            <a:r>
+              <a:rPr lang="en-US" sz="1400" b="1" i="1" dirty="0"/>
+              <a:t>LLM Analysis</a:t>
+            </a:r>
+          </a:p>
+        </p:txBody>
+      </p:sp>
+      <p:sp>
+        <p:nvSpPr>
+          <p:cNvPr id="15" name="Rectangle: Rounded Corners 14">
+            <a:extLst>
+              <a:ext uri="{FF2B5EF4-FFF2-40B4-BE49-F238E27FC236}">
+                <a16:creationId xmlns:a16="http://schemas.microsoft.com/office/drawing/2014/main" id="{A5FDF2EB-E5C8-AF50-2E89-AB98780CEB00}"/>
+              </a:ext>
+            </a:extLst>
+          </p:cNvPr>
+          <p:cNvSpPr/>
+          <p:nvPr/>
+        </p:nvSpPr>
+        <p:spPr>
+          <a:xfrm>
+            <a:off x="5290876" y="4121322"/>
+            <a:ext cx="2112475" cy="274280"/>
+          </a:xfrm>
+          <a:prstGeom prst="roundRect">
+            <a:avLst/>
+          </a:prstGeom>
+          <a:solidFill>
+            <a:srgbClr val="DEEBF7"/>
+          </a:solidFill>
+          <a:ln>
+            <a:solidFill>
+              <a:srgbClr val="4472C4"/>
+            </a:solidFill>
+          </a:ln>
+        </p:spPr>
+        <p:style>
+          <a:lnRef idx="2">
+            <a:schemeClr val="accent1">
+              <a:shade val="15000"/>
+            </a:schemeClr>
+          </a:lnRef>
+          <a:fillRef idx="1">
+            <a:schemeClr val="accent1"/>
+          </a:fillRef>
+          <a:effectRef idx="0">
+            <a:schemeClr val="accent1"/>
+          </a:effectRef>
+          <a:fontRef idx="minor">
+            <a:schemeClr val="lt1"/>
+          </a:fontRef>
+        </p:style>
+        <p:txBody>
+          <a:bodyPr rtlCol="0" anchor="ctr"/>
+          <a:lstStyle/>
+          <a:p>
+            <a:pPr algn="ctr"/>
+            <a:r>
+              <a:rPr lang="en-US" sz="1400" b="1" dirty="0">
+                <a:solidFill>
+                  <a:srgbClr val="FF0000"/>
+                </a:solidFill>
+              </a:rPr>
+              <a:t>Action Decision </a:t>
+            </a:r>
+            <a:r>
+              <a:rPr lang="en-US" sz="1400" b="1" dirty="0">
+                <a:solidFill>
+                  <a:schemeClr val="tx1"/>
+                </a:solidFill>
+              </a:rPr>
+              <a:t>Parser</a:t>
+            </a:r>
+          </a:p>
+        </p:txBody>
+      </p:sp>
+      <p:grpSp>
+        <p:nvGrpSpPr>
+          <p:cNvPr id="25" name="Group 24">
+            <a:extLst>
+              <a:ext uri="{FF2B5EF4-FFF2-40B4-BE49-F238E27FC236}">
+                <a16:creationId xmlns:a16="http://schemas.microsoft.com/office/drawing/2014/main" id="{72F4160C-BA30-0796-D7A9-4F9A53826485}"/>
+              </a:ext>
+            </a:extLst>
+          </p:cNvPr>
+          <p:cNvGrpSpPr/>
+          <p:nvPr/>
+        </p:nvGrpSpPr>
+        <p:grpSpPr>
+          <a:xfrm>
+            <a:off x="5034804" y="1752418"/>
+            <a:ext cx="2569306" cy="870303"/>
+            <a:chOff x="4587235" y="1747038"/>
+            <a:chExt cx="2585192" cy="875684"/>
+          </a:xfrm>
+        </p:grpSpPr>
+        <p:sp>
+          <p:nvSpPr>
+            <p:cNvPr id="19" name="Rectangle: Rounded Corners 18">
+              <a:extLst>
+                <a:ext uri="{FF2B5EF4-FFF2-40B4-BE49-F238E27FC236}">
+                  <a16:creationId xmlns:a16="http://schemas.microsoft.com/office/drawing/2014/main" id="{7F91E09E-838A-6DA0-352E-183AB2DD7546}"/>
+                </a:ext>
+              </a:extLst>
+            </p:cNvPr>
+            <p:cNvSpPr/>
+            <p:nvPr/>
+          </p:nvSpPr>
+          <p:spPr>
+            <a:xfrm>
+              <a:off x="4587235" y="1747038"/>
+              <a:ext cx="2585192" cy="875684"/>
+            </a:xfrm>
+            <a:prstGeom prst="roundRect">
+              <a:avLst>
+                <a:gd name="adj" fmla="val 5758"/>
+              </a:avLst>
+            </a:prstGeom>
+            <a:solidFill>
+              <a:schemeClr val="accent5">
+                <a:lumMod val="20000"/>
+                <a:lumOff val="80000"/>
+              </a:schemeClr>
+            </a:solidFill>
+            <a:ln>
+              <a:solidFill>
+                <a:schemeClr val="accent1"/>
+              </a:solidFill>
+            </a:ln>
+          </p:spPr>
+          <p:style>
+            <a:lnRef idx="2">
+              <a:schemeClr val="accent1">
+                <a:shade val="15000"/>
+              </a:schemeClr>
+            </a:lnRef>
+            <a:fillRef idx="1">
+              <a:schemeClr val="accent1"/>
+            </a:fillRef>
+            <a:effectRef idx="0">
+              <a:schemeClr val="accent1"/>
+            </a:effectRef>
+            <a:fontRef idx="minor">
+              <a:schemeClr val="lt1"/>
+            </a:fontRef>
+          </p:style>
+          <p:txBody>
+            <a:bodyPr rtlCol="0" anchor="ctr"/>
+            <a:lstStyle/>
+            <a:p>
+              <a:pPr algn="ctr"/>
+              <a:endParaRPr lang="en-US"/>
+            </a:p>
+          </p:txBody>
+        </p:sp>
+        <p:sp>
+          <p:nvSpPr>
+            <p:cNvPr id="32" name="TextBox 31">
+              <a:extLst>
+                <a:ext uri="{FF2B5EF4-FFF2-40B4-BE49-F238E27FC236}">
+                  <a16:creationId xmlns:a16="http://schemas.microsoft.com/office/drawing/2014/main" id="{11E63D2A-E3C0-36C5-49E6-9220D0354487}"/>
+                </a:ext>
+              </a:extLst>
+            </p:cNvPr>
+            <p:cNvSpPr txBox="1"/>
+            <p:nvPr/>
+          </p:nvSpPr>
+          <p:spPr>
+            <a:xfrm>
+              <a:off x="4999554" y="1749090"/>
+              <a:ext cx="1760554" cy="307777"/>
+            </a:xfrm>
+            <a:prstGeom prst="rect">
+              <a:avLst/>
+            </a:prstGeom>
+            <a:noFill/>
+          </p:spPr>
+          <p:txBody>
+            <a:bodyPr wrap="square" rtlCol="0">
+              <a:spAutoFit/>
+            </a:bodyPr>
+            <a:lstStyle/>
+            <a:p>
+              <a:pPr algn="ctr"/>
+              <a:r>
+                <a:rPr lang="en-US" sz="1400" b="1" i="1" dirty="0"/>
+                <a:t>Environment Sensing</a:t>
+              </a:r>
+            </a:p>
+          </p:txBody>
+        </p:sp>
+        <p:grpSp>
+          <p:nvGrpSpPr>
+            <p:cNvPr id="21" name="Group 20">
+              <a:extLst>
+                <a:ext uri="{FF2B5EF4-FFF2-40B4-BE49-F238E27FC236}">
+                  <a16:creationId xmlns:a16="http://schemas.microsoft.com/office/drawing/2014/main" id="{60D783D1-DCFB-0C98-9531-B045F1CA6735}"/>
+                </a:ext>
+              </a:extLst>
+            </p:cNvPr>
+            <p:cNvGrpSpPr/>
+            <p:nvPr/>
+          </p:nvGrpSpPr>
+          <p:grpSpPr>
+            <a:xfrm>
+              <a:off x="4661099" y="2084791"/>
+              <a:ext cx="2461141" cy="438178"/>
+              <a:chOff x="4670352" y="2084791"/>
+              <a:chExt cx="2461141" cy="438178"/>
+            </a:xfrm>
+          </p:grpSpPr>
+          <p:sp>
+            <p:nvSpPr>
+              <p:cNvPr id="30" name="Rectangle: Rounded Corners 29">
+                <a:extLst>
+                  <a:ext uri="{FF2B5EF4-FFF2-40B4-BE49-F238E27FC236}">
+                    <a16:creationId xmlns:a16="http://schemas.microsoft.com/office/drawing/2014/main" id="{13EE2322-954A-98B7-F7AD-63D47D3E2596}"/>
+                  </a:ext>
+                </a:extLst>
+              </p:cNvPr>
+              <p:cNvSpPr/>
+              <p:nvPr/>
+            </p:nvSpPr>
+            <p:spPr>
+              <a:xfrm>
+                <a:off x="4670352" y="2100957"/>
+                <a:ext cx="742764" cy="422012"/>
+              </a:xfrm>
+              <a:prstGeom prst="roundRect">
+                <a:avLst/>
+              </a:prstGeom>
+              <a:solidFill>
+                <a:schemeClr val="bg1"/>
+              </a:solidFill>
+              <a:ln>
+                <a:solidFill>
+                  <a:schemeClr val="accent5"/>
+                </a:solidFill>
+              </a:ln>
+            </p:spPr>
+            <p:style>
+              <a:lnRef idx="2">
+                <a:schemeClr val="accent1">
+                  <a:shade val="15000"/>
+                </a:schemeClr>
+              </a:lnRef>
+              <a:fillRef idx="1">
+                <a:schemeClr val="accent1"/>
+              </a:fillRef>
+              <a:effectRef idx="0">
+                <a:schemeClr val="accent1"/>
+              </a:effectRef>
+              <a:fontRef idx="minor">
+                <a:schemeClr val="lt1"/>
+              </a:fontRef>
+            </p:style>
+            <p:txBody>
+              <a:bodyPr rtlCol="0" anchor="ctr"/>
+              <a:lstStyle/>
+              <a:p>
+                <a:pPr algn="ctr"/>
+                <a:r>
+                  <a:rPr lang="en-US" sz="1000" b="1" dirty="0">
+                    <a:solidFill>
+                      <a:schemeClr val="accent1">
+                        <a:lumMod val="75000"/>
+                      </a:schemeClr>
+                    </a:solidFill>
+                  </a:rPr>
+                  <a:t>Vision Sensing</a:t>
+                </a:r>
+              </a:p>
+            </p:txBody>
+          </p:sp>
+          <p:sp>
+            <p:nvSpPr>
+              <p:cNvPr id="20" name="Rectangle: Rounded Corners 19">
+                <a:extLst>
+                  <a:ext uri="{FF2B5EF4-FFF2-40B4-BE49-F238E27FC236}">
+                    <a16:creationId xmlns:a16="http://schemas.microsoft.com/office/drawing/2014/main" id="{3CE48D7D-6E00-3EE9-084C-43EDB8F7EBD8}"/>
+                  </a:ext>
+                </a:extLst>
+              </p:cNvPr>
+              <p:cNvSpPr/>
+              <p:nvPr/>
+            </p:nvSpPr>
+            <p:spPr>
+              <a:xfrm>
+                <a:off x="5488697" y="2098921"/>
+                <a:ext cx="742764" cy="422011"/>
+              </a:xfrm>
+              <a:prstGeom prst="roundRect">
+                <a:avLst/>
+              </a:prstGeom>
+              <a:solidFill>
+                <a:schemeClr val="bg1"/>
+              </a:solidFill>
+              <a:ln>
+                <a:solidFill>
+                  <a:schemeClr val="accent5"/>
+                </a:solidFill>
+              </a:ln>
+            </p:spPr>
+            <p:style>
+              <a:lnRef idx="2">
+                <a:schemeClr val="accent1">
+                  <a:shade val="15000"/>
+                </a:schemeClr>
+              </a:lnRef>
+              <a:fillRef idx="1">
+                <a:schemeClr val="accent1"/>
+              </a:fillRef>
+              <a:effectRef idx="0">
+                <a:schemeClr val="accent1"/>
+              </a:effectRef>
+              <a:fontRef idx="minor">
+                <a:schemeClr val="lt1"/>
+              </a:fontRef>
+            </p:style>
+            <p:txBody>
+              <a:bodyPr rtlCol="0" anchor="ctr"/>
+              <a:lstStyle/>
+              <a:p>
+                <a:pPr algn="ctr"/>
+                <a:r>
+                  <a:rPr lang="en-US" sz="1000" b="1" dirty="0">
+                    <a:solidFill>
+                      <a:schemeClr val="accent2"/>
+                    </a:solidFill>
+                  </a:rPr>
+                  <a:t>Olfaction Sensing</a:t>
+                </a:r>
+              </a:p>
+            </p:txBody>
+          </p:sp>
+          <p:sp>
+            <p:nvSpPr>
+              <p:cNvPr id="23" name="Rectangle: Rounded Corners 22">
+                <a:extLst>
+                  <a:ext uri="{FF2B5EF4-FFF2-40B4-BE49-F238E27FC236}">
+                    <a16:creationId xmlns:a16="http://schemas.microsoft.com/office/drawing/2014/main" id="{131D878B-C8CC-1714-924D-BC52E6AF00C5}"/>
+                  </a:ext>
+                </a:extLst>
+              </p:cNvPr>
+              <p:cNvSpPr/>
+              <p:nvPr/>
+            </p:nvSpPr>
+            <p:spPr>
+              <a:xfrm>
+                <a:off x="6318104" y="2084791"/>
+                <a:ext cx="813389" cy="431371"/>
+              </a:xfrm>
+              <a:prstGeom prst="roundRect">
+                <a:avLst/>
+              </a:prstGeom>
+              <a:solidFill>
+                <a:schemeClr val="bg1"/>
+              </a:solidFill>
+              <a:ln>
+                <a:solidFill>
+                  <a:schemeClr val="accent5"/>
+                </a:solidFill>
+              </a:ln>
+            </p:spPr>
+            <p:style>
+              <a:lnRef idx="2">
+                <a:schemeClr val="accent1">
+                  <a:shade val="15000"/>
+                </a:schemeClr>
+              </a:lnRef>
+              <a:fillRef idx="1">
+                <a:schemeClr val="accent1"/>
+              </a:fillRef>
+              <a:effectRef idx="0">
+                <a:schemeClr val="accent1"/>
+              </a:effectRef>
+              <a:fontRef idx="minor">
+                <a:schemeClr val="lt1"/>
+              </a:fontRef>
+            </p:style>
+            <p:txBody>
+              <a:bodyPr rtlCol="0" anchor="ctr"/>
+              <a:lstStyle/>
+              <a:p>
+                <a:pPr algn="ctr"/>
+                <a:r>
+                  <a:rPr lang="en-US" sz="1000" b="1" dirty="0">
+                    <a:solidFill>
+                      <a:schemeClr val="accent6">
+                        <a:lumMod val="50000"/>
+                      </a:schemeClr>
+                    </a:solidFill>
+                  </a:rPr>
+                  <a:t>Navigation Sensing</a:t>
+                </a:r>
+              </a:p>
+            </p:txBody>
+          </p:sp>
+        </p:grpSp>
+      </p:grpSp>
+      <p:grpSp>
+        <p:nvGrpSpPr>
+          <p:cNvPr id="35" name="Group 34">
+            <a:extLst>
+              <a:ext uri="{FF2B5EF4-FFF2-40B4-BE49-F238E27FC236}">
+                <a16:creationId xmlns:a16="http://schemas.microsoft.com/office/drawing/2014/main" id="{82257A5A-7D5D-CC3E-2F43-65D5DCA4A683}"/>
+              </a:ext>
+            </a:extLst>
+          </p:cNvPr>
+          <p:cNvGrpSpPr/>
+          <p:nvPr/>
+        </p:nvGrpSpPr>
+        <p:grpSpPr>
+          <a:xfrm rot="5400000">
+            <a:off x="3484679" y="3409027"/>
+            <a:ext cx="369066" cy="1046792"/>
+            <a:chOff x="3490391" y="1713190"/>
+            <a:chExt cx="371348" cy="1053262"/>
+          </a:xfrm>
+        </p:grpSpPr>
+        <p:sp>
+          <p:nvSpPr>
+            <p:cNvPr id="67" name="TextBox 66">
+              <a:extLst>
+                <a:ext uri="{FF2B5EF4-FFF2-40B4-BE49-F238E27FC236}">
+                  <a16:creationId xmlns:a16="http://schemas.microsoft.com/office/drawing/2014/main" id="{D3C478BF-58E6-7FB5-EED1-67147C409C34}"/>
+                </a:ext>
+              </a:extLst>
+            </p:cNvPr>
+            <p:cNvSpPr txBox="1"/>
+            <p:nvPr/>
+          </p:nvSpPr>
+          <p:spPr>
+            <a:xfrm rot="16200000">
+              <a:off x="3524556" y="2479354"/>
+              <a:ext cx="343365" cy="230832"/>
+            </a:xfrm>
+            <a:prstGeom prst="rect">
+              <a:avLst/>
+            </a:prstGeom>
+            <a:noFill/>
+          </p:spPr>
+          <p:txBody>
+            <a:bodyPr wrap="none" rtlCol="0">
+              <a:spAutoFit/>
+            </a:bodyPr>
+            <a:lstStyle/>
+            <a:p>
+              <a:r>
+                <a:rPr lang="en-US" sz="900" b="1" dirty="0"/>
+                <a:t>Act</a:t>
+              </a:r>
+            </a:p>
+          </p:txBody>
+        </p:sp>
+        <p:sp>
+          <p:nvSpPr>
+            <p:cNvPr id="68" name="TextBox 67">
+              <a:extLst>
+                <a:ext uri="{FF2B5EF4-FFF2-40B4-BE49-F238E27FC236}">
+                  <a16:creationId xmlns:a16="http://schemas.microsoft.com/office/drawing/2014/main" id="{3A27E6E3-C9F8-020B-F29C-2D6630B50C2F}"/>
+                </a:ext>
+              </a:extLst>
+            </p:cNvPr>
+            <p:cNvSpPr txBox="1"/>
+            <p:nvPr/>
+          </p:nvSpPr>
+          <p:spPr>
+            <a:xfrm rot="16200000">
+              <a:off x="3463726" y="1830287"/>
+              <a:ext cx="466453" cy="232259"/>
+            </a:xfrm>
+            <a:prstGeom prst="rect">
+              <a:avLst/>
+            </a:prstGeom>
+            <a:noFill/>
+          </p:spPr>
+          <p:txBody>
+            <a:bodyPr wrap="none" rtlCol="0">
+              <a:spAutoFit/>
+            </a:bodyPr>
+            <a:lstStyle/>
+            <a:p>
+              <a:r>
+                <a:rPr lang="en-US" sz="900" b="1" dirty="0"/>
+                <a:t>Sense</a:t>
+              </a:r>
+            </a:p>
+          </p:txBody>
+        </p:sp>
+        <p:sp>
+          <p:nvSpPr>
+            <p:cNvPr id="31" name="Arrow: Curved Down 30">
+              <a:extLst>
+                <a:ext uri="{FF2B5EF4-FFF2-40B4-BE49-F238E27FC236}">
+                  <a16:creationId xmlns:a16="http://schemas.microsoft.com/office/drawing/2014/main" id="{1962DF60-423D-8726-D864-50F316D4DCCF}"/>
+                </a:ext>
+              </a:extLst>
+            </p:cNvPr>
+            <p:cNvSpPr/>
+            <p:nvPr/>
+          </p:nvSpPr>
+          <p:spPr>
+            <a:xfrm>
+              <a:off x="3502208" y="2142284"/>
+              <a:ext cx="359531" cy="136725"/>
+            </a:xfrm>
+            <a:prstGeom prst="curvedDownArrow">
+              <a:avLst/>
+            </a:prstGeom>
+            <a:noFill/>
+          </p:spPr>
+          <p:style>
+            <a:lnRef idx="2">
+              <a:schemeClr val="accent1">
+                <a:shade val="15000"/>
+              </a:schemeClr>
+            </a:lnRef>
+            <a:fillRef idx="1">
+              <a:schemeClr val="accent1"/>
+            </a:fillRef>
+            <a:effectRef idx="0">
+              <a:schemeClr val="accent1"/>
+            </a:effectRef>
+            <a:fontRef idx="minor">
+              <a:schemeClr val="lt1"/>
+            </a:fontRef>
+          </p:style>
+          <p:txBody>
+            <a:bodyPr rtlCol="0" anchor="ctr"/>
+            <a:lstStyle/>
+            <a:p>
+              <a:pPr algn="ctr"/>
+              <a:endParaRPr lang="en-US">
+                <a:solidFill>
+                  <a:schemeClr val="tx1"/>
+                </a:solidFill>
+              </a:endParaRPr>
+            </a:p>
+          </p:txBody>
+        </p:sp>
+        <p:sp>
+          <p:nvSpPr>
+            <p:cNvPr id="33" name="Arrow: Curved Down 32">
+              <a:extLst>
+                <a:ext uri="{FF2B5EF4-FFF2-40B4-BE49-F238E27FC236}">
+                  <a16:creationId xmlns:a16="http://schemas.microsoft.com/office/drawing/2014/main" id="{70A0204B-D852-E99B-11AB-4D69F7EB25A2}"/>
+                </a:ext>
+              </a:extLst>
+            </p:cNvPr>
+            <p:cNvSpPr/>
+            <p:nvPr/>
+          </p:nvSpPr>
+          <p:spPr>
+            <a:xfrm rot="10800000">
+              <a:off x="3490391" y="2359548"/>
+              <a:ext cx="359531" cy="136725"/>
+            </a:xfrm>
+            <a:prstGeom prst="curvedDownArrow">
+              <a:avLst/>
+            </a:prstGeom>
+            <a:noFill/>
+          </p:spPr>
+          <p:style>
+            <a:lnRef idx="2">
+              <a:schemeClr val="accent1">
+                <a:shade val="15000"/>
+              </a:schemeClr>
+            </a:lnRef>
+            <a:fillRef idx="1">
+              <a:schemeClr val="accent1"/>
+            </a:fillRef>
+            <a:effectRef idx="0">
+              <a:schemeClr val="accent1"/>
+            </a:effectRef>
+            <a:fontRef idx="minor">
+              <a:schemeClr val="lt1"/>
+            </a:fontRef>
+          </p:style>
+          <p:txBody>
+            <a:bodyPr rtlCol="0" anchor="ctr"/>
+            <a:lstStyle/>
+            <a:p>
+              <a:pPr algn="ctr"/>
+              <a:endParaRPr lang="en-US">
+                <a:solidFill>
+                  <a:schemeClr val="tx1"/>
+                </a:solidFill>
+              </a:endParaRPr>
+            </a:p>
+          </p:txBody>
+        </p:sp>
+      </p:grpSp>
+      <p:sp>
+        <p:nvSpPr>
+          <p:cNvPr id="51" name="TextBox 50">
+            <a:extLst>
+              <a:ext uri="{FF2B5EF4-FFF2-40B4-BE49-F238E27FC236}">
+                <a16:creationId xmlns:a16="http://schemas.microsoft.com/office/drawing/2014/main" id="{4A5FDF8A-FFB3-70DA-B465-7653D91F78D6}"/>
+              </a:ext>
+            </a:extLst>
+          </p:cNvPr>
+          <p:cNvSpPr txBox="1"/>
+          <p:nvPr/>
+        </p:nvSpPr>
+        <p:spPr>
+          <a:xfrm>
+            <a:off x="2992099" y="1765886"/>
+            <a:ext cx="1761637" cy="307777"/>
+          </a:xfrm>
+          <a:prstGeom prst="rect">
+            <a:avLst/>
+          </a:prstGeom>
+          <a:noFill/>
+        </p:spPr>
+        <p:txBody>
+          <a:bodyPr wrap="none" rtlCol="0">
+            <a:spAutoFit/>
+          </a:bodyPr>
+          <a:lstStyle/>
+          <a:p>
+            <a:pPr algn="ctr"/>
+            <a:r>
+              <a:rPr lang="en-US" sz="1400" b="1" i="1" dirty="0"/>
+              <a:t>AI2Thor Environment</a:t>
+            </a:r>
+          </a:p>
+        </p:txBody>
+      </p:sp>
+      <p:cxnSp>
+        <p:nvCxnSpPr>
+          <p:cNvPr id="24" name="Connector: Elbow 23">
+            <a:extLst>
+              <a:ext uri="{FF2B5EF4-FFF2-40B4-BE49-F238E27FC236}">
+                <a16:creationId xmlns:a16="http://schemas.microsoft.com/office/drawing/2014/main" id="{C567DE08-5974-DE7E-870B-D893F3318071}"/>
+              </a:ext>
+            </a:extLst>
+          </p:cNvPr>
+          <p:cNvCxnSpPr>
+            <a:cxnSpLocks/>
+            <a:stCxn id="49" idx="3"/>
+            <a:endCxn id="19" idx="1"/>
+          </p:cNvCxnSpPr>
+          <p:nvPr/>
+        </p:nvCxnSpPr>
+        <p:spPr>
+          <a:xfrm flipV="1">
+            <a:off x="4635822" y="2187570"/>
+            <a:ext cx="398982" cy="1740383"/>
+          </a:xfrm>
+          <a:prstGeom prst="bentConnector3">
+            <a:avLst>
+              <a:gd name="adj1" fmla="val 67905"/>
+            </a:avLst>
+          </a:prstGeom>
+          <a:ln w="19050">
+            <a:tailEnd type="triangle"/>
+          </a:ln>
+        </p:spPr>
+        <p:style>
+          <a:lnRef idx="1">
+            <a:schemeClr val="accent1"/>
+          </a:lnRef>
+          <a:fillRef idx="0">
+            <a:schemeClr val="accent1"/>
+          </a:fillRef>
+          <a:effectRef idx="0">
+            <a:schemeClr val="accent1"/>
+          </a:effectRef>
+          <a:fontRef idx="minor">
+            <a:schemeClr val="tx1"/>
+          </a:fontRef>
+        </p:style>
+      </p:cxnSp>
+      <p:sp>
+        <p:nvSpPr>
+          <p:cNvPr id="29" name="Arrow: Down 28">
+            <a:extLst>
+              <a:ext uri="{FF2B5EF4-FFF2-40B4-BE49-F238E27FC236}">
+                <a16:creationId xmlns:a16="http://schemas.microsoft.com/office/drawing/2014/main" id="{E28032D6-5A52-7ADA-D876-A8B4B1F12D4D}"/>
+              </a:ext>
+            </a:extLst>
+          </p:cNvPr>
+          <p:cNvSpPr/>
+          <p:nvPr/>
+        </p:nvSpPr>
+        <p:spPr>
+          <a:xfrm>
+            <a:off x="5643124" y="2580621"/>
+            <a:ext cx="1359540" cy="452130"/>
+          </a:xfrm>
+          <a:prstGeom prst="downArrow">
+            <a:avLst>
+              <a:gd name="adj1" fmla="val 69467"/>
+              <a:gd name="adj2" fmla="val 33250"/>
+            </a:avLst>
+          </a:prstGeom>
+          <a:solidFill>
+            <a:srgbClr val="DEEBF7"/>
+          </a:solidFill>
+          <a:ln>
+            <a:solidFill>
+              <a:srgbClr val="4472C4"/>
+            </a:solidFill>
+          </a:ln>
+        </p:spPr>
+        <p:style>
+          <a:lnRef idx="2">
+            <a:schemeClr val="accent1">
+              <a:shade val="15000"/>
+            </a:schemeClr>
+          </a:lnRef>
+          <a:fillRef idx="1">
+            <a:schemeClr val="accent1"/>
+          </a:fillRef>
+          <a:effectRef idx="0">
+            <a:schemeClr val="accent1"/>
+          </a:effectRef>
+          <a:fontRef idx="minor">
+            <a:schemeClr val="lt1"/>
+          </a:fontRef>
+        </p:style>
+        <p:txBody>
+          <a:bodyPr rtlCol="0" anchor="ctr"/>
+          <a:lstStyle/>
+          <a:p>
+            <a:pPr algn="ctr"/>
+            <a:r>
+              <a:rPr lang="en-US" sz="1200" b="1" dirty="0">
+                <a:solidFill>
+                  <a:schemeClr val="tx1"/>
+                </a:solidFill>
+              </a:rPr>
+              <a:t>Multimodal Prompt</a:t>
+            </a:r>
+          </a:p>
+        </p:txBody>
+      </p:sp>
+      <p:sp>
+        <p:nvSpPr>
+          <p:cNvPr id="38" name="Arrow: Down 37">
+            <a:extLst>
+              <a:ext uri="{FF2B5EF4-FFF2-40B4-BE49-F238E27FC236}">
+                <a16:creationId xmlns:a16="http://schemas.microsoft.com/office/drawing/2014/main" id="{7FAEB276-619F-E88A-C84C-AEB39391B2CE}"/>
+              </a:ext>
+            </a:extLst>
+          </p:cNvPr>
+          <p:cNvSpPr/>
+          <p:nvPr/>
+        </p:nvSpPr>
+        <p:spPr>
+          <a:xfrm>
+            <a:off x="5643124" y="3684261"/>
+            <a:ext cx="1359540" cy="452130"/>
+          </a:xfrm>
+          <a:prstGeom prst="downArrow">
+            <a:avLst>
+              <a:gd name="adj1" fmla="val 69467"/>
+              <a:gd name="adj2" fmla="val 33250"/>
+            </a:avLst>
+          </a:prstGeom>
+          <a:solidFill>
+            <a:srgbClr val="FFF2CC"/>
+          </a:solidFill>
+          <a:ln>
+            <a:solidFill>
+              <a:schemeClr val="accent6"/>
+            </a:solidFill>
+          </a:ln>
+        </p:spPr>
+        <p:style>
+          <a:lnRef idx="2">
+            <a:schemeClr val="accent1">
+              <a:shade val="15000"/>
+            </a:schemeClr>
+          </a:lnRef>
+          <a:fillRef idx="1">
+            <a:schemeClr val="accent1"/>
+          </a:fillRef>
+          <a:effectRef idx="0">
+            <a:schemeClr val="accent1"/>
+          </a:effectRef>
+          <a:fontRef idx="minor">
+            <a:schemeClr val="lt1"/>
+          </a:fontRef>
+        </p:style>
+        <p:txBody>
+          <a:bodyPr rtlCol="0" anchor="ctr"/>
+          <a:lstStyle/>
+          <a:p>
+            <a:pPr algn="ctr"/>
+            <a:r>
+              <a:rPr lang="en-US" sz="1200" b="1" dirty="0">
+                <a:solidFill>
+                  <a:schemeClr val="tx1"/>
+                </a:solidFill>
+              </a:rPr>
+              <a:t>Reasoning Output</a:t>
+            </a:r>
+          </a:p>
+        </p:txBody>
+      </p:sp>
+      <p:cxnSp>
+        <p:nvCxnSpPr>
+          <p:cNvPr id="45" name="Connector: Elbow 44">
+            <a:extLst>
+              <a:ext uri="{FF2B5EF4-FFF2-40B4-BE49-F238E27FC236}">
+                <a16:creationId xmlns:a16="http://schemas.microsoft.com/office/drawing/2014/main" id="{295EF916-2D14-54D9-9AD1-4A86D9CC7A70}"/>
+              </a:ext>
+            </a:extLst>
+          </p:cNvPr>
+          <p:cNvCxnSpPr>
+            <a:cxnSpLocks/>
+            <a:stCxn id="15" idx="1"/>
+            <a:endCxn id="49" idx="2"/>
+          </p:cNvCxnSpPr>
+          <p:nvPr/>
+        </p:nvCxnSpPr>
+        <p:spPr>
+          <a:xfrm rot="10800000">
+            <a:off x="4415854" y="4147922"/>
+            <a:ext cx="875023" cy="110540"/>
+          </a:xfrm>
+          <a:prstGeom prst="bentConnector2">
+            <a:avLst/>
+          </a:prstGeom>
+          <a:ln w="19050">
+            <a:tailEnd type="triangle"/>
+          </a:ln>
+        </p:spPr>
+        <p:style>
+          <a:lnRef idx="1">
+            <a:schemeClr val="accent1"/>
+          </a:lnRef>
+          <a:fillRef idx="0">
+            <a:schemeClr val="accent1"/>
+          </a:fillRef>
+          <a:effectRef idx="0">
+            <a:schemeClr val="accent1"/>
+          </a:effectRef>
+          <a:fontRef idx="minor">
+            <a:schemeClr val="tx1"/>
+          </a:fontRef>
+        </p:style>
+      </p:cxnSp>
+      <p:pic>
+        <p:nvPicPr>
+          <p:cNvPr id="49" name="Graphic 48" descr="Robot with solid fill">
+            <a:extLst>
+              <a:ext uri="{FF2B5EF4-FFF2-40B4-BE49-F238E27FC236}">
+                <a16:creationId xmlns:a16="http://schemas.microsoft.com/office/drawing/2014/main" id="{44F6D29A-E64B-D207-6A9E-A1D530FF3E3A}"/>
+              </a:ext>
+            </a:extLst>
+          </p:cNvPr>
+          <p:cNvPicPr>
+            <a:picLocks noChangeAspect="1"/>
+          </p:cNvPicPr>
+          <p:nvPr/>
+        </p:nvPicPr>
+        <p:blipFill>
+          <a:blip r:embed="rId3">
+            <a:extLst>
+              <a:ext uri="{96DAC541-7B7A-43D3-8B79-37D633B846F1}">
+                <asvg:svgBlip xmlns:asvg="http://schemas.microsoft.com/office/drawing/2016/SVG/main" r:embed="rId4"/>
+              </a:ext>
+            </a:extLst>
+          </a:blip>
+          <a:stretch>
+            <a:fillRect/>
+          </a:stretch>
+        </p:blipFill>
+        <p:spPr>
+          <a:xfrm>
+            <a:off x="4195884" y="3707984"/>
+            <a:ext cx="439938" cy="439938"/>
+          </a:xfrm>
+          <a:prstGeom prst="rect">
+            <a:avLst/>
+          </a:prstGeom>
+        </p:spPr>
+      </p:pic>
+      <p:grpSp>
+        <p:nvGrpSpPr>
+          <p:cNvPr id="66" name="Group 65">
+            <a:extLst>
+              <a:ext uri="{FF2B5EF4-FFF2-40B4-BE49-F238E27FC236}">
+                <a16:creationId xmlns:a16="http://schemas.microsoft.com/office/drawing/2014/main" id="{21D4F129-9049-784B-EA5B-FC3820C46CDF}"/>
+              </a:ext>
+            </a:extLst>
+          </p:cNvPr>
+          <p:cNvGrpSpPr/>
+          <p:nvPr/>
+        </p:nvGrpSpPr>
+        <p:grpSpPr>
+          <a:xfrm>
+            <a:off x="3238499" y="3248696"/>
+            <a:ext cx="1212156" cy="370388"/>
+            <a:chOff x="1252357" y="2186931"/>
+            <a:chExt cx="1212156" cy="370388"/>
+          </a:xfrm>
+        </p:grpSpPr>
+        <p:grpSp>
+          <p:nvGrpSpPr>
+            <p:cNvPr id="55" name="Group 54">
+              <a:extLst>
+                <a:ext uri="{FF2B5EF4-FFF2-40B4-BE49-F238E27FC236}">
+                  <a16:creationId xmlns:a16="http://schemas.microsoft.com/office/drawing/2014/main" id="{5EF51B69-48E9-D592-252E-411355B834DD}"/>
+                </a:ext>
+              </a:extLst>
+            </p:cNvPr>
+            <p:cNvGrpSpPr/>
+            <p:nvPr/>
+          </p:nvGrpSpPr>
+          <p:grpSpPr>
+            <a:xfrm>
+              <a:off x="1298505" y="2218765"/>
+              <a:ext cx="1166008" cy="338554"/>
+              <a:chOff x="1714059" y="3718541"/>
+              <a:chExt cx="1166008" cy="338554"/>
+            </a:xfrm>
+          </p:grpSpPr>
+          <p:pic>
+            <p:nvPicPr>
+              <p:cNvPr id="3" name="Picture 6" descr="Nose - Download free icons">
+                <a:extLst>
+                  <a:ext uri="{FF2B5EF4-FFF2-40B4-BE49-F238E27FC236}">
+                    <a16:creationId xmlns:a16="http://schemas.microsoft.com/office/drawing/2014/main" id="{06603962-7332-F36F-6968-3A318D184542}"/>
+                  </a:ext>
+                </a:extLst>
+              </p:cNvPr>
+              <p:cNvPicPr>
+                <a:picLocks noChangeAspect="1" noChangeArrowheads="1"/>
+              </p:cNvPicPr>
+              <p:nvPr/>
+            </p:nvPicPr>
+            <p:blipFill>
+              <a:blip r:embed="rId5">
+                <a:extLst>
+                  <a:ext uri="{28A0092B-C50C-407E-A947-70E740481C1C}">
+                    <a14:useLocalDpi xmlns:a14="http://schemas.microsoft.com/office/drawing/2010/main" val="0"/>
+                  </a:ext>
+                </a:extLst>
+              </a:blip>
+              <a:srcRect/>
+              <a:stretch>
+                <a:fillRect/>
+              </a:stretch>
+            </p:blipFill>
+            <p:spPr bwMode="auto">
+              <a:xfrm>
+                <a:off x="1714059" y="3721721"/>
+                <a:ext cx="274320" cy="274320"/>
+              </a:xfrm>
+              <a:prstGeom prst="rect">
+                <a:avLst/>
+              </a:prstGeom>
+              <a:noFill/>
+              <a:ln w="6350">
+                <a:solidFill>
+                  <a:schemeClr val="tx1"/>
+                </a:solidFill>
+              </a:ln>
+              <a:extLst>
+                <a:ext uri="{909E8E84-426E-40DD-AFC4-6F175D3DCCD1}">
+                  <a14:hiddenFill xmlns:a14="http://schemas.microsoft.com/office/drawing/2010/main">
+                    <a:solidFill>
+                      <a:srgbClr val="FFFFFF"/>
+                    </a:solidFill>
+                  </a14:hiddenFill>
+                </a:ext>
+              </a:extLst>
+            </p:spPr>
+          </p:pic>
+          <p:sp>
+            <p:nvSpPr>
+              <p:cNvPr id="17" name="TextBox 16">
+                <a:extLst>
+                  <a:ext uri="{FF2B5EF4-FFF2-40B4-BE49-F238E27FC236}">
+                    <a16:creationId xmlns:a16="http://schemas.microsoft.com/office/drawing/2014/main" id="{4CC21D6E-7899-2B0F-AF1D-C58066CD19E2}"/>
+                  </a:ext>
+                </a:extLst>
+              </p:cNvPr>
+              <p:cNvSpPr txBox="1"/>
+              <p:nvPr/>
+            </p:nvSpPr>
+            <p:spPr>
+              <a:xfrm>
+                <a:off x="1909407" y="3718541"/>
+                <a:ext cx="970660" cy="338554"/>
+              </a:xfrm>
+              <a:prstGeom prst="rect">
+                <a:avLst/>
+              </a:prstGeom>
+              <a:noFill/>
+            </p:spPr>
+            <p:txBody>
+              <a:bodyPr wrap="square" rtlCol="0">
+                <a:spAutoFit/>
+              </a:bodyPr>
+              <a:lstStyle/>
+              <a:p>
+                <a:pPr algn="ctr"/>
+                <a:r>
+                  <a:rPr lang="en-US" sz="800" dirty="0"/>
+                  <a:t>Olfaction Sensing</a:t>
+                </a:r>
+              </a:p>
+              <a:p>
+                <a:pPr algn="ctr"/>
+                <a:r>
+                  <a:rPr lang="en-US" sz="800" b="1" dirty="0"/>
+                  <a:t>Con</a:t>
+                </a:r>
+                <a:r>
+                  <a:rPr lang="en-US" sz="800" dirty="0"/>
+                  <a:t>: 0.9</a:t>
+                </a:r>
+              </a:p>
+            </p:txBody>
+          </p:sp>
+        </p:grpSp>
+        <p:sp>
+          <p:nvSpPr>
+            <p:cNvPr id="36" name="Background - Sensor">
+              <a:extLst>
+                <a:ext uri="{FF2B5EF4-FFF2-40B4-BE49-F238E27FC236}">
+                  <a16:creationId xmlns:a16="http://schemas.microsoft.com/office/drawing/2014/main" id="{C801027F-0C41-B781-4BAA-67E183372C6F}"/>
+                </a:ext>
+              </a:extLst>
+            </p:cNvPr>
+            <p:cNvSpPr/>
+            <p:nvPr/>
+          </p:nvSpPr>
+          <p:spPr>
+            <a:xfrm>
+              <a:off x="1252357" y="2186931"/>
+              <a:ext cx="1157550" cy="358630"/>
+            </a:xfrm>
+            <a:prstGeom prst="roundRect">
+              <a:avLst>
+                <a:gd name="adj" fmla="val 8443"/>
+              </a:avLst>
+            </a:prstGeom>
+            <a:noFill/>
+            <a:ln>
+              <a:solidFill>
+                <a:schemeClr val="accent2"/>
+              </a:solidFill>
+            </a:ln>
+          </p:spPr>
+          <p:style>
+            <a:lnRef idx="2">
+              <a:schemeClr val="accent1">
+                <a:shade val="50000"/>
+              </a:schemeClr>
+            </a:lnRef>
+            <a:fillRef idx="1">
+              <a:schemeClr val="accent1"/>
+            </a:fillRef>
+            <a:effectRef idx="0">
+              <a:schemeClr val="accent1"/>
+            </a:effectRef>
+            <a:fontRef idx="minor">
+              <a:schemeClr val="lt1"/>
+            </a:fontRef>
+          </p:style>
+          <p:txBody>
+            <a:bodyPr rtlCol="0" anchor="ctr"/>
+            <a:lstStyle/>
+            <a:p>
+              <a:pPr algn="ctr" defTabSz="457189"/>
+              <a:endParaRPr lang="en-US" dirty="0">
+                <a:solidFill>
+                  <a:prstClr val="white"/>
+                </a:solidFill>
+                <a:latin typeface="Calibri" panose="020F0502020204030204"/>
+              </a:endParaRPr>
+            </a:p>
+          </p:txBody>
+        </p:sp>
+      </p:grpSp>
+      <p:pic>
+        <p:nvPicPr>
+          <p:cNvPr id="40" name="Picture 39">
+            <a:extLst>
+              <a:ext uri="{FF2B5EF4-FFF2-40B4-BE49-F238E27FC236}">
+                <a16:creationId xmlns:a16="http://schemas.microsoft.com/office/drawing/2014/main" id="{EF7C59DA-B135-8306-7850-1E89914B362D}"/>
+              </a:ext>
+            </a:extLst>
+          </p:cNvPr>
+          <p:cNvPicPr>
+            <a:picLocks noChangeAspect="1"/>
+          </p:cNvPicPr>
+          <p:nvPr/>
+        </p:nvPicPr>
+        <p:blipFill>
+          <a:blip r:embed="rId6"/>
+          <a:stretch>
+            <a:fillRect/>
+          </a:stretch>
+        </p:blipFill>
+        <p:spPr>
+          <a:xfrm>
+            <a:off x="3899946" y="2353876"/>
+            <a:ext cx="822960" cy="822960"/>
+          </a:xfrm>
+          <a:prstGeom prst="rect">
+            <a:avLst/>
+          </a:prstGeom>
+        </p:spPr>
+      </p:pic>
+      <p:sp>
+        <p:nvSpPr>
+          <p:cNvPr id="41" name="Background - Sensor">
+            <a:extLst>
+              <a:ext uri="{FF2B5EF4-FFF2-40B4-BE49-F238E27FC236}">
+                <a16:creationId xmlns:a16="http://schemas.microsoft.com/office/drawing/2014/main" id="{B192C2E1-4E96-732E-AFB1-AFA5F99B4AA5}"/>
+              </a:ext>
+            </a:extLst>
+          </p:cNvPr>
+          <p:cNvSpPr/>
+          <p:nvPr/>
+        </p:nvSpPr>
+        <p:spPr>
+          <a:xfrm>
+            <a:off x="3881672" y="2087131"/>
+            <a:ext cx="859508" cy="1094467"/>
+          </a:xfrm>
+          <a:prstGeom prst="roundRect">
+            <a:avLst>
+              <a:gd name="adj" fmla="val 3456"/>
+            </a:avLst>
+          </a:prstGeom>
+          <a:noFill/>
+          <a:ln>
+            <a:solidFill>
+              <a:schemeClr val="accent1"/>
+            </a:solidFill>
+          </a:ln>
+        </p:spPr>
+        <p:style>
+          <a:lnRef idx="2">
+            <a:schemeClr val="accent1">
+              <a:shade val="50000"/>
+            </a:schemeClr>
+          </a:lnRef>
+          <a:fillRef idx="1">
+            <a:schemeClr val="accent1"/>
+          </a:fillRef>
+          <a:effectRef idx="0">
+            <a:schemeClr val="accent1"/>
+          </a:effectRef>
+          <a:fontRef idx="minor">
+            <a:schemeClr val="lt1"/>
+          </a:fontRef>
+        </p:style>
+        <p:txBody>
+          <a:bodyPr rtlCol="0" anchor="ctr"/>
+          <a:lstStyle/>
+          <a:p>
+            <a:pPr algn="ctr" defTabSz="457189"/>
+            <a:endParaRPr lang="en-US" dirty="0">
+              <a:solidFill>
+                <a:prstClr val="white"/>
+              </a:solidFill>
+              <a:latin typeface="Calibri" panose="020F0502020204030204"/>
+            </a:endParaRPr>
+          </a:p>
+        </p:txBody>
+      </p:sp>
+      <p:grpSp>
+        <p:nvGrpSpPr>
+          <p:cNvPr id="56" name="Group 55">
+            <a:extLst>
+              <a:ext uri="{FF2B5EF4-FFF2-40B4-BE49-F238E27FC236}">
+                <a16:creationId xmlns:a16="http://schemas.microsoft.com/office/drawing/2014/main" id="{5C4CED87-B501-50DB-42BF-64D301D958A1}"/>
+              </a:ext>
+            </a:extLst>
+          </p:cNvPr>
+          <p:cNvGrpSpPr/>
+          <p:nvPr/>
+        </p:nvGrpSpPr>
+        <p:grpSpPr>
+          <a:xfrm>
+            <a:off x="3972182" y="2066660"/>
+            <a:ext cx="804092" cy="338554"/>
+            <a:chOff x="1798695" y="4376646"/>
+            <a:chExt cx="804092" cy="338554"/>
+          </a:xfrm>
+        </p:grpSpPr>
+        <p:sp>
+          <p:nvSpPr>
+            <p:cNvPr id="44" name="TextBox 43">
+              <a:extLst>
+                <a:ext uri="{FF2B5EF4-FFF2-40B4-BE49-F238E27FC236}">
+                  <a16:creationId xmlns:a16="http://schemas.microsoft.com/office/drawing/2014/main" id="{1295BDDD-BD06-5C03-2DC5-F68F8A872325}"/>
+                </a:ext>
+              </a:extLst>
+            </p:cNvPr>
+            <p:cNvSpPr txBox="1"/>
+            <p:nvPr/>
+          </p:nvSpPr>
+          <p:spPr>
+            <a:xfrm>
+              <a:off x="1967677" y="4376646"/>
+              <a:ext cx="635110" cy="338554"/>
+            </a:xfrm>
+            <a:prstGeom prst="rect">
+              <a:avLst/>
+            </a:prstGeom>
+            <a:noFill/>
+          </p:spPr>
+          <p:txBody>
+            <a:bodyPr wrap="none" rtlCol="0">
+              <a:spAutoFit/>
+            </a:bodyPr>
+            <a:lstStyle/>
+            <a:p>
+              <a:pPr algn="ctr"/>
+              <a:r>
+                <a:rPr lang="en-US" sz="800" dirty="0"/>
+                <a:t>Navigation</a:t>
+              </a:r>
+            </a:p>
+            <a:p>
+              <a:pPr algn="ctr"/>
+              <a:r>
+                <a:rPr lang="en-US" sz="800" dirty="0"/>
+                <a:t>Sensing</a:t>
+              </a:r>
+            </a:p>
+          </p:txBody>
+        </p:sp>
+        <p:pic>
+          <p:nvPicPr>
+            <p:cNvPr id="1026" name="Picture 2" descr="Path icons for free download | Freepik">
+              <a:extLst>
+                <a:ext uri="{FF2B5EF4-FFF2-40B4-BE49-F238E27FC236}">
+                  <a16:creationId xmlns:a16="http://schemas.microsoft.com/office/drawing/2014/main" id="{40189703-F35B-0627-BE3D-217984655ED4}"/>
+                </a:ext>
+              </a:extLst>
+            </p:cNvPr>
+            <p:cNvPicPr>
+              <a:picLocks noChangeAspect="1" noChangeArrowheads="1"/>
+            </p:cNvPicPr>
+            <p:nvPr/>
+          </p:nvPicPr>
+          <p:blipFill>
+            <a:blip r:embed="rId7">
+              <a:extLst>
+                <a:ext uri="{28A0092B-C50C-407E-A947-70E740481C1C}">
+                  <a14:useLocalDpi xmlns:a14="http://schemas.microsoft.com/office/drawing/2010/main" val="0"/>
+                </a:ext>
+              </a:extLst>
+            </a:blip>
+            <a:srcRect/>
+            <a:stretch>
+              <a:fillRect/>
+            </a:stretch>
+          </p:blipFill>
+          <p:spPr bwMode="auto">
+            <a:xfrm>
+              <a:off x="1798695" y="4444186"/>
+              <a:ext cx="208728" cy="208728"/>
+            </a:xfrm>
+            <a:prstGeom prst="rect">
+              <a:avLst/>
+            </a:prstGeom>
+            <a:noFill/>
+            <a:ln w="6350">
+              <a:solidFill>
+                <a:schemeClr val="tx1"/>
+              </a:solidFill>
+            </a:ln>
+            <a:extLst>
+              <a:ext uri="{909E8E84-426E-40DD-AFC4-6F175D3DCCD1}">
+                <a14:hiddenFill xmlns:a14="http://schemas.microsoft.com/office/drawing/2010/main">
+                  <a:solidFill>
+                    <a:srgbClr val="FFFFFF"/>
+                  </a:solidFill>
+                </a14:hiddenFill>
+              </a:ext>
+            </a:extLst>
+          </p:spPr>
+        </p:pic>
+      </p:grpSp>
+      <p:grpSp>
+        <p:nvGrpSpPr>
+          <p:cNvPr id="60" name="Group 59">
+            <a:extLst>
+              <a:ext uri="{FF2B5EF4-FFF2-40B4-BE49-F238E27FC236}">
+                <a16:creationId xmlns:a16="http://schemas.microsoft.com/office/drawing/2014/main" id="{03DBBF14-8FBA-A3A9-ECA4-C1ACC1A13A9B}"/>
+              </a:ext>
+            </a:extLst>
+          </p:cNvPr>
+          <p:cNvGrpSpPr/>
+          <p:nvPr/>
+        </p:nvGrpSpPr>
+        <p:grpSpPr>
+          <a:xfrm>
+            <a:off x="2966479" y="2044266"/>
+            <a:ext cx="874904" cy="1137331"/>
+            <a:chOff x="1261317" y="2104826"/>
+            <a:chExt cx="874904" cy="1137331"/>
+          </a:xfrm>
+        </p:grpSpPr>
+        <p:grpSp>
+          <p:nvGrpSpPr>
+            <p:cNvPr id="28" name="Group 27">
+              <a:extLst>
+                <a:ext uri="{FF2B5EF4-FFF2-40B4-BE49-F238E27FC236}">
+                  <a16:creationId xmlns:a16="http://schemas.microsoft.com/office/drawing/2014/main" id="{A5F56C26-C83C-C390-3BCB-37BFCEEB6AC0}"/>
+                </a:ext>
+              </a:extLst>
+            </p:cNvPr>
+            <p:cNvGrpSpPr/>
+            <p:nvPr/>
+          </p:nvGrpSpPr>
+          <p:grpSpPr>
+            <a:xfrm>
+              <a:off x="1318862" y="2104826"/>
+              <a:ext cx="817359" cy="338554"/>
+              <a:chOff x="1683571" y="2155812"/>
+              <a:chExt cx="817359" cy="338554"/>
+            </a:xfrm>
+          </p:grpSpPr>
+          <p:pic>
+            <p:nvPicPr>
+              <p:cNvPr id="9" name="Picture 8" descr="231,200+ Eye Icon Stock Illustrations, Royalty-Free Vector ...">
+                <a:extLst>
+                  <a:ext uri="{FF2B5EF4-FFF2-40B4-BE49-F238E27FC236}">
+                    <a16:creationId xmlns:a16="http://schemas.microsoft.com/office/drawing/2014/main" id="{42666569-70FD-DB0A-BE83-FF457DAABE89}"/>
+                  </a:ext>
+                </a:extLst>
+              </p:cNvPr>
+              <p:cNvPicPr>
+                <a:picLocks noChangeAspect="1" noChangeArrowheads="1"/>
+              </p:cNvPicPr>
+              <p:nvPr/>
+            </p:nvPicPr>
+            <p:blipFill>
+              <a:blip r:embed="rId8">
+                <a:extLst>
+                  <a:ext uri="{28A0092B-C50C-407E-A947-70E740481C1C}">
+                    <a14:useLocalDpi xmlns:a14="http://schemas.microsoft.com/office/drawing/2010/main" val="0"/>
+                  </a:ext>
+                </a:extLst>
+              </a:blip>
+              <a:srcRect/>
+              <a:stretch>
+                <a:fillRect/>
+              </a:stretch>
+            </p:blipFill>
+            <p:spPr bwMode="auto">
+              <a:xfrm>
+                <a:off x="1683571" y="2186178"/>
+                <a:ext cx="266123" cy="274320"/>
+              </a:xfrm>
+              <a:prstGeom prst="rect">
+                <a:avLst/>
+              </a:prstGeom>
+              <a:noFill/>
+              <a:ln w="6350">
+                <a:noFill/>
+              </a:ln>
+              <a:extLst>
+                <a:ext uri="{909E8E84-426E-40DD-AFC4-6F175D3DCCD1}">
+                  <a14:hiddenFill xmlns:a14="http://schemas.microsoft.com/office/drawing/2010/main">
+                    <a:solidFill>
+                      <a:srgbClr val="FFFFFF"/>
+                    </a:solidFill>
+                  </a14:hiddenFill>
+                </a:ext>
+              </a:extLst>
+            </p:spPr>
+          </p:pic>
+          <p:sp>
+            <p:nvSpPr>
+              <p:cNvPr id="16" name="TextBox 15">
+                <a:extLst>
+                  <a:ext uri="{FF2B5EF4-FFF2-40B4-BE49-F238E27FC236}">
+                    <a16:creationId xmlns:a16="http://schemas.microsoft.com/office/drawing/2014/main" id="{D7245251-160D-E71C-C817-37551468EDF5}"/>
+                  </a:ext>
+                </a:extLst>
+              </p:cNvPr>
+              <p:cNvSpPr txBox="1"/>
+              <p:nvPr/>
+            </p:nvSpPr>
+            <p:spPr>
+              <a:xfrm>
+                <a:off x="1771791" y="2155812"/>
+                <a:ext cx="729139" cy="338554"/>
+              </a:xfrm>
+              <a:prstGeom prst="rect">
+                <a:avLst/>
+              </a:prstGeom>
+              <a:noFill/>
+            </p:spPr>
+            <p:txBody>
+              <a:bodyPr wrap="square" rtlCol="0">
+                <a:spAutoFit/>
+              </a:bodyPr>
+              <a:lstStyle/>
+              <a:p>
+                <a:pPr algn="ctr"/>
+                <a:r>
+                  <a:rPr lang="en-US" sz="800" dirty="0"/>
+                  <a:t>Vision Sensing</a:t>
+                </a:r>
+              </a:p>
+            </p:txBody>
+          </p:sp>
+        </p:grpSp>
+        <p:pic>
+          <p:nvPicPr>
+            <p:cNvPr id="27" name="Picture 26">
+              <a:extLst>
+                <a:ext uri="{FF2B5EF4-FFF2-40B4-BE49-F238E27FC236}">
+                  <a16:creationId xmlns:a16="http://schemas.microsoft.com/office/drawing/2014/main" id="{B32D8716-886A-6642-4E8E-30ED35D8E76C}"/>
+                </a:ext>
+              </a:extLst>
+            </p:cNvPr>
+            <p:cNvPicPr>
+              <a:picLocks noChangeAspect="1"/>
+            </p:cNvPicPr>
+            <p:nvPr/>
+          </p:nvPicPr>
+          <p:blipFill>
+            <a:blip r:embed="rId9"/>
+            <a:stretch>
+              <a:fillRect/>
+            </a:stretch>
+          </p:blipFill>
+          <p:spPr>
+            <a:xfrm>
+              <a:off x="1275234" y="2390481"/>
+              <a:ext cx="822960" cy="822960"/>
+            </a:xfrm>
+            <a:prstGeom prst="rect">
+              <a:avLst/>
+            </a:prstGeom>
+          </p:spPr>
+        </p:pic>
+        <p:sp>
+          <p:nvSpPr>
+            <p:cNvPr id="2" name="Background - Sensor">
+              <a:extLst>
+                <a:ext uri="{FF2B5EF4-FFF2-40B4-BE49-F238E27FC236}">
+                  <a16:creationId xmlns:a16="http://schemas.microsoft.com/office/drawing/2014/main" id="{563755C0-37E5-1575-46E6-E97C7F0660C8}"/>
+                </a:ext>
+              </a:extLst>
+            </p:cNvPr>
+            <p:cNvSpPr/>
+            <p:nvPr/>
+          </p:nvSpPr>
+          <p:spPr>
+            <a:xfrm>
+              <a:off x="1261317" y="2160934"/>
+              <a:ext cx="850795" cy="1081223"/>
+            </a:xfrm>
+            <a:prstGeom prst="roundRect">
+              <a:avLst>
+                <a:gd name="adj" fmla="val 4245"/>
+              </a:avLst>
+            </a:prstGeom>
+            <a:noFill/>
+            <a:ln>
+              <a:solidFill>
+                <a:schemeClr val="accent1"/>
+              </a:solidFill>
+            </a:ln>
+          </p:spPr>
+          <p:style>
+            <a:lnRef idx="2">
+              <a:schemeClr val="accent1">
+                <a:shade val="50000"/>
+              </a:schemeClr>
+            </a:lnRef>
+            <a:fillRef idx="1">
+              <a:schemeClr val="accent1"/>
+            </a:fillRef>
+            <a:effectRef idx="0">
+              <a:schemeClr val="accent1"/>
+            </a:effectRef>
+            <a:fontRef idx="minor">
+              <a:schemeClr val="lt1"/>
+            </a:fontRef>
+          </p:style>
+          <p:txBody>
+            <a:bodyPr rtlCol="0" anchor="ctr"/>
+            <a:lstStyle/>
+            <a:p>
+              <a:pPr algn="ctr" defTabSz="457189"/>
+              <a:endParaRPr lang="en-US" dirty="0">
+                <a:solidFill>
+                  <a:prstClr val="white"/>
+                </a:solidFill>
+                <a:latin typeface="Calibri" panose="020F0502020204030204"/>
+              </a:endParaRPr>
+            </a:p>
+          </p:txBody>
+        </p:sp>
+      </p:grpSp>
+    </p:spTree>
+    <p:extLst>
+      <p:ext uri="{BB962C8B-B14F-4D97-AF65-F5344CB8AC3E}">
+        <p14:creationId xmlns:p14="http://schemas.microsoft.com/office/powerpoint/2010/main" val="3443900368"/>
+      </p:ext>
+    </p:extLst>
+  </p:cSld>
+  <p:clrMapOvr>
+    <a:masterClrMapping/>
+  </p:clrMapOvr>
+</p:sld>
+</file>
+
+<file path=ppt/slides/slide3.xml><?xml version="1.0" encoding="utf-8"?>
+<p:sld xmlns:a="http://schemas.openxmlformats.org/drawingml/2006/main" xmlns:r="http://schemas.openxmlformats.org/officeDocument/2006/relationships" xmlns:p="http://schemas.openxmlformats.org/presentationml/2006/main">
+  <p:cSld>
+    <p:spTree>
+      <p:nvGrpSpPr>
+        <p:cNvPr id="1" name=""/>
+        <p:cNvGrpSpPr/>
+        <p:nvPr/>
+      </p:nvGrpSpPr>
+      <p:grpSpPr>
+        <a:xfrm>
+          <a:off x="0" y="0"/>
+          <a:ext cx="0" cy="0"/>
+          <a:chOff x="0" y="0"/>
+          <a:chExt cx="0" cy="0"/>
+        </a:xfrm>
+      </p:grpSpPr>
+      <p:grpSp>
+        <p:nvGrpSpPr>
+          <p:cNvPr id="2" name="Group 1">
+            <a:extLst>
+              <a:ext uri="{FF2B5EF4-FFF2-40B4-BE49-F238E27FC236}">
+                <a16:creationId xmlns:a16="http://schemas.microsoft.com/office/drawing/2014/main" id="{8646C770-FEF7-93C0-B294-5F05C24E2020}"/>
+              </a:ext>
+            </a:extLst>
+          </p:cNvPr>
+          <p:cNvGrpSpPr/>
+          <p:nvPr/>
+        </p:nvGrpSpPr>
+        <p:grpSpPr>
+          <a:xfrm>
+            <a:off x="1129354" y="1345214"/>
+            <a:ext cx="7431430" cy="4826982"/>
+            <a:chOff x="3799222" y="3490106"/>
+            <a:chExt cx="10635084" cy="4288433"/>
+          </a:xfrm>
+        </p:grpSpPr>
+        <p:sp>
+          <p:nvSpPr>
+            <p:cNvPr id="4" name="Rectangle: Rounded Corners 3">
+              <a:extLst>
+                <a:ext uri="{FF2B5EF4-FFF2-40B4-BE49-F238E27FC236}">
+                  <a16:creationId xmlns:a16="http://schemas.microsoft.com/office/drawing/2014/main" id="{3041C8FB-FDDE-B903-D5FE-8A39C5DBF8A1}"/>
+                </a:ext>
+              </a:extLst>
+            </p:cNvPr>
+            <p:cNvSpPr/>
+            <p:nvPr/>
+          </p:nvSpPr>
+          <p:spPr>
+            <a:xfrm>
+              <a:off x="3799222" y="3490106"/>
+              <a:ext cx="10635084" cy="4288433"/>
+            </a:xfrm>
+            <a:prstGeom prst="roundRect">
+              <a:avLst>
+                <a:gd name="adj" fmla="val 0"/>
+              </a:avLst>
+            </a:prstGeom>
+            <a:solidFill>
+              <a:schemeClr val="bg1">
+                <a:lumMod val="95000"/>
+              </a:schemeClr>
+            </a:solidFill>
+            <a:ln>
+              <a:solidFill>
+                <a:schemeClr val="accent1"/>
+              </a:solidFill>
+            </a:ln>
+          </p:spPr>
+          <p:style>
+            <a:lnRef idx="2">
+              <a:schemeClr val="accent1">
+                <a:shade val="15000"/>
+              </a:schemeClr>
+            </a:lnRef>
+            <a:fillRef idx="1">
+              <a:schemeClr val="accent1"/>
+            </a:fillRef>
+            <a:effectRef idx="0">
+              <a:schemeClr val="accent1"/>
+            </a:effectRef>
+            <a:fontRef idx="minor">
+              <a:schemeClr val="lt1"/>
+            </a:fontRef>
+          </p:style>
+          <p:txBody>
+            <a:bodyPr rtlCol="0" anchor="ctr"/>
+            <a:lstStyle/>
+            <a:p>
+              <a:endParaRPr lang="en-US" b="1" dirty="0">
+                <a:solidFill>
+                  <a:schemeClr val="tx1"/>
+                </a:solidFill>
+              </a:endParaRPr>
+            </a:p>
+            <a:p>
+              <a:r>
+                <a:rPr lang="en-US" dirty="0">
+                  <a:solidFill>
+                    <a:schemeClr val="tx1"/>
+                  </a:solidFill>
+                </a:rPr>
+                <a:t>Sequentially perform the following input analysis to select the best action:</a:t>
+              </a:r>
+            </a:p>
+            <a:p>
+              <a:r>
+                <a:rPr lang="en-US" dirty="0">
+                  <a:solidFill>
+                    <a:schemeClr val="accent1">
+                      <a:lumMod val="75000"/>
+                    </a:schemeClr>
+                  </a:solidFill>
+                </a:rPr>
+                <a:t>Visual Analysis: do you see an object that is a possible source for {goal}?</a:t>
+              </a:r>
+            </a:p>
+            <a:p>
+              <a:pPr marL="285750" indent="-285750">
+                <a:buFont typeface="Arial" panose="020B0604020202020204" pitchFamily="34" charset="0"/>
+                <a:buChar char="•"/>
+              </a:pPr>
+              <a:r>
+                <a:rPr lang="en-US" dirty="0">
+                  <a:solidFill>
+                    <a:schemeClr val="accent1">
+                      <a:lumMod val="75000"/>
+                    </a:schemeClr>
+                  </a:solidFill>
+                </a:rPr>
+                <a:t>If yes, list the most likely object's name.</a:t>
+              </a:r>
+            </a:p>
+            <a:p>
+              <a:pPr marL="285750" indent="-285750">
+                <a:buFont typeface="Arial" panose="020B0604020202020204" pitchFamily="34" charset="0"/>
+                <a:buChar char="•"/>
+              </a:pPr>
+              <a:r>
+                <a:rPr lang="en-US" dirty="0">
+                  <a:solidFill>
+                    <a:schemeClr val="accent1">
+                      <a:lumMod val="75000"/>
+                    </a:schemeClr>
+                  </a:solidFill>
+                </a:rPr>
+                <a:t>If yes, and the front is obstacle free, move forward.</a:t>
+              </a:r>
+            </a:p>
+            <a:p>
+              <a:r>
+                <a:rPr lang="en-US" dirty="0">
+                  <a:solidFill>
+                    <a:schemeClr val="accent2"/>
+                  </a:solidFill>
+                </a:rPr>
+                <a:t>Olfactory Analysis: </a:t>
+              </a:r>
+            </a:p>
+            <a:p>
+              <a:pPr marL="285750" indent="-285750">
+                <a:buFont typeface="Arial" panose="020B0604020202020204" pitchFamily="34" charset="0"/>
+                <a:buChar char="•"/>
+              </a:pPr>
+              <a:r>
+                <a:rPr lang="en-US" dirty="0">
+                  <a:solidFill>
+                    <a:schemeClr val="accent2"/>
+                  </a:solidFill>
+                </a:rPr>
+                <a:t>If the sensed concentration decreases, turn back.</a:t>
+              </a:r>
+            </a:p>
+            <a:p>
+              <a:pPr marL="285750" indent="-285750">
+                <a:buFont typeface="Arial" panose="020B0604020202020204" pitchFamily="34" charset="0"/>
+                <a:buChar char="•"/>
+              </a:pPr>
+              <a:r>
+                <a:rPr lang="en-US" dirty="0">
+                  <a:solidFill>
+                    <a:schemeClr val="accent2"/>
+                  </a:solidFill>
+                </a:rPr>
+                <a:t>If the sensed concentration increases and front is obstacle free, move forward. </a:t>
+              </a:r>
+            </a:p>
+            <a:p>
+              <a:pPr marL="285750" indent="-285750">
+                <a:buFont typeface="Arial" panose="020B0604020202020204" pitchFamily="34" charset="0"/>
+                <a:buChar char="•"/>
+              </a:pPr>
+              <a:r>
+                <a:rPr lang="en-US" dirty="0">
+                  <a:solidFill>
+                    <a:schemeClr val="accent2"/>
+                  </a:solidFill>
+                </a:rPr>
+                <a:t>If the sensed concentration stays the same, focus on visual and navigation analysis.</a:t>
+              </a:r>
+            </a:p>
+            <a:p>
+              <a:r>
+                <a:rPr lang="en-US" dirty="0">
+                  <a:solidFill>
+                    <a:schemeClr val="accent6">
+                      <a:lumMod val="75000"/>
+                    </a:schemeClr>
+                  </a:solidFill>
+                </a:rPr>
+                <a:t>Navigation Analysis:</a:t>
+              </a:r>
+            </a:p>
+            <a:p>
+              <a:pPr marL="285750" indent="-285750">
+                <a:buFont typeface="Arial" panose="020B0604020202020204" pitchFamily="34" charset="0"/>
+                <a:buChar char="•"/>
+              </a:pPr>
+              <a:r>
+                <a:rPr lang="en-US" dirty="0">
+                  <a:solidFill>
+                    <a:schemeClr val="accent6">
+                      <a:lumMod val="75000"/>
+                    </a:schemeClr>
+                  </a:solidFill>
+                </a:rPr>
+                <a:t>If the front is blocked, turn to the side that is obstacle free and is more likely to lead you to the possible {goal} related object.</a:t>
+              </a:r>
+            </a:p>
+            <a:p>
+              <a:pPr marL="285750" indent="-285750">
+                <a:buFont typeface="Arial" panose="020B0604020202020204" pitchFamily="34" charset="0"/>
+                <a:buChar char="•"/>
+              </a:pPr>
+              <a:r>
+                <a:rPr lang="en-US" dirty="0">
+                  <a:solidFill>
+                    <a:schemeClr val="accent6">
+                      <a:lumMod val="75000"/>
+                    </a:schemeClr>
+                  </a:solidFill>
+                </a:rPr>
+                <a:t>If the last action was to turn (</a:t>
+              </a:r>
+              <a:r>
+                <a:rPr lang="en-US" dirty="0" err="1">
+                  <a:solidFill>
+                    <a:schemeClr val="accent6">
+                      <a:lumMod val="75000"/>
+                    </a:schemeClr>
+                  </a:solidFill>
+                </a:rPr>
+                <a:t>Action_id</a:t>
+              </a:r>
+              <a:r>
+                <a:rPr lang="en-US" dirty="0">
+                  <a:solidFill>
+                    <a:schemeClr val="accent6">
+                      <a:lumMod val="75000"/>
+                    </a:schemeClr>
+                  </a:solidFill>
+                </a:rPr>
+                <a:t> = 2 or 3), and the forward direction is blocked, then Turn Back.</a:t>
+              </a:r>
+            </a:p>
+          </p:txBody>
+        </p:sp>
+        <p:sp>
+          <p:nvSpPr>
+            <p:cNvPr id="7" name="TextBox 6">
+              <a:extLst>
+                <a:ext uri="{FF2B5EF4-FFF2-40B4-BE49-F238E27FC236}">
+                  <a16:creationId xmlns:a16="http://schemas.microsoft.com/office/drawing/2014/main" id="{2573BD30-3935-F6C0-CAF0-E0E67F54AFD2}"/>
+                </a:ext>
+              </a:extLst>
+            </p:cNvPr>
+            <p:cNvSpPr txBox="1"/>
+            <p:nvPr/>
+          </p:nvSpPr>
+          <p:spPr>
+            <a:xfrm>
+              <a:off x="9816472" y="3509581"/>
+              <a:ext cx="4498980" cy="328125"/>
+            </a:xfrm>
+            <a:prstGeom prst="rect">
+              <a:avLst/>
+            </a:prstGeom>
+            <a:solidFill>
+              <a:schemeClr val="bg1"/>
+            </a:solidFill>
+          </p:spPr>
+          <p:txBody>
+            <a:bodyPr wrap="square" rtlCol="0">
+              <a:spAutoFit/>
+            </a:bodyPr>
+            <a:lstStyle/>
+            <a:p>
+              <a:r>
+                <a:rPr lang="en-US" b="1" dirty="0"/>
+                <a:t>Semantic Analysis Instructions</a:t>
+              </a:r>
+            </a:p>
+          </p:txBody>
+        </p:sp>
+      </p:grpSp>
+    </p:spTree>
+    <p:extLst>
+      <p:ext uri="{BB962C8B-B14F-4D97-AF65-F5344CB8AC3E}">
+        <p14:creationId xmlns:p14="http://schemas.microsoft.com/office/powerpoint/2010/main" val="3030887290"/>
+      </p:ext>
+    </p:extLst>
+  </p:cSld>
+  <p:clrMapOvr>
+    <a:masterClrMapping/>
+  </p:clrMapOvr>
+</p:sld>
+</file>
+
+<file path=ppt/slides/slide4.xml><?xml version="1.0" encoding="utf-8"?>
+<p:sld xmlns:a="http://schemas.openxmlformats.org/drawingml/2006/main" xmlns:r="http://schemas.openxmlformats.org/officeDocument/2006/relationships" xmlns:p="http://schemas.openxmlformats.org/presentationml/2006/main">
+  <p:cSld>
+    <p:spTree>
+      <p:nvGrpSpPr>
+        <p:cNvPr id="1" name="">
+          <a:extLst>
+            <a:ext uri="{FF2B5EF4-FFF2-40B4-BE49-F238E27FC236}">
+              <a16:creationId xmlns:a16="http://schemas.microsoft.com/office/drawing/2014/main" id="{49E1810A-C78E-468E-7764-E095582D7E3A}"/>
+            </a:ext>
+          </a:extLst>
+        </p:cNvPr>
+        <p:cNvGrpSpPr/>
+        <p:nvPr/>
+      </p:nvGrpSpPr>
+      <p:grpSpPr>
+        <a:xfrm>
+          <a:off x="0" y="0"/>
+          <a:ext cx="0" cy="0"/>
+          <a:chOff x="0" y="0"/>
+          <a:chExt cx="0" cy="0"/>
+        </a:xfrm>
+      </p:grpSpPr>
+      <p:sp>
+        <p:nvSpPr>
+          <p:cNvPr id="58" name="TextBox 57">
+            <a:extLst>
+              <a:ext uri="{FF2B5EF4-FFF2-40B4-BE49-F238E27FC236}">
+                <a16:creationId xmlns:a16="http://schemas.microsoft.com/office/drawing/2014/main" id="{79AB8158-E7E2-3F1B-72A9-907CFC5AE1C0}"/>
+              </a:ext>
+            </a:extLst>
+          </p:cNvPr>
+          <p:cNvSpPr txBox="1"/>
+          <p:nvPr/>
+        </p:nvSpPr>
+        <p:spPr>
+          <a:xfrm>
+            <a:off x="440436" y="358180"/>
+            <a:ext cx="11311128" cy="5963427"/>
+          </a:xfrm>
+          <a:prstGeom prst="rect">
+            <a:avLst/>
+          </a:prstGeom>
+          <a:noFill/>
+        </p:spPr>
+        <p:txBody>
+          <a:bodyPr wrap="square" rtlCol="0">
+            <a:spAutoFit/>
+          </a:bodyPr>
+          <a:lstStyle/>
+          <a:p>
+            <a:pPr marL="285750" indent="-285750">
+              <a:lnSpc>
+                <a:spcPct val="150000"/>
+              </a:lnSpc>
+              <a:buFont typeface="Arial" panose="020B0604020202020204" pitchFamily="34" charset="0"/>
+              <a:buChar char="•"/>
+            </a:pPr>
+            <a:r>
+              <a:rPr lang="en-US" sz="1600" dirty="0"/>
+              <a:t>Vision branch: RGBD &gt; environment knowledge.</a:t>
+            </a:r>
+          </a:p>
+          <a:p>
+            <a:pPr marL="800100" lvl="1" indent="-342900">
+              <a:lnSpc>
+                <a:spcPct val="150000"/>
+              </a:lnSpc>
+              <a:buFont typeface="+mj-lt"/>
+              <a:buAutoNum type="arabicPeriod"/>
+            </a:pPr>
+            <a:r>
+              <a:rPr lang="en-US" sz="1600" dirty="0"/>
+              <a:t>Object Detection using YOLO.</a:t>
+            </a:r>
+          </a:p>
+          <a:p>
+            <a:pPr marL="800100" lvl="1" indent="-342900">
+              <a:lnSpc>
+                <a:spcPct val="150000"/>
+              </a:lnSpc>
+              <a:buFont typeface="+mj-lt"/>
+              <a:buAutoNum type="arabicPeriod"/>
+            </a:pPr>
+            <a:r>
+              <a:rPr lang="en-US" sz="1600" dirty="0"/>
+              <a:t>3D coordinate of the detected objects: using YOLO bounding box coordinate, 90</a:t>
+            </a:r>
+            <a:r>
+              <a:rPr lang="en-US" sz="1600" baseline="30000" dirty="0"/>
+              <a:t>th</a:t>
+            </a:r>
+            <a:r>
+              <a:rPr lang="en-US" sz="1600" dirty="0"/>
+              <a:t> percentile depth (instead of midpoint), robot position/orientation, camera parameters.</a:t>
+            </a:r>
+          </a:p>
+          <a:p>
+            <a:pPr marL="800100" lvl="1" indent="-342900">
+              <a:lnSpc>
+                <a:spcPct val="150000"/>
+              </a:lnSpc>
+              <a:buFont typeface="+mj-lt"/>
+              <a:buAutoNum type="arabicPeriod"/>
+            </a:pPr>
+            <a:r>
+              <a:rPr lang="en-US" sz="1600" dirty="0"/>
+              <a:t>Environment knowledge: storing 3D object points.</a:t>
+            </a:r>
+          </a:p>
+          <a:p>
+            <a:pPr marL="285750" indent="-285750">
+              <a:lnSpc>
+                <a:spcPct val="150000"/>
+              </a:lnSpc>
+              <a:buFont typeface="Arial" panose="020B0604020202020204" pitchFamily="34" charset="0"/>
+              <a:buChar char="•"/>
+            </a:pPr>
+            <a:r>
+              <a:rPr lang="en-US" sz="1600" dirty="0"/>
+              <a:t>Olfaction branch: odor semantic and concentration.</a:t>
+            </a:r>
+          </a:p>
+          <a:p>
+            <a:pPr marL="742950" lvl="1" indent="-285750">
+              <a:lnSpc>
+                <a:spcPct val="150000"/>
+              </a:lnSpc>
+              <a:buFont typeface="Arial" panose="020B0604020202020204" pitchFamily="34" charset="0"/>
+              <a:buChar char="•"/>
+            </a:pPr>
+            <a:r>
+              <a:rPr lang="en-US" sz="1600" dirty="0"/>
+              <a:t>2D odor dispersion model &gt; turbulent concentration.</a:t>
+            </a:r>
+          </a:p>
+          <a:p>
+            <a:pPr marL="742950" lvl="1" indent="-285750">
+              <a:lnSpc>
+                <a:spcPct val="150000"/>
+              </a:lnSpc>
+              <a:buFont typeface="Arial" panose="020B0604020202020204" pitchFamily="34" charset="0"/>
+              <a:buChar char="•"/>
+            </a:pPr>
+            <a:r>
+              <a:rPr lang="en-US" sz="1600" dirty="0"/>
+              <a:t>E-nose chemical mix (VOC, CO, CO2, etc.) &gt; lookup odor semantics.</a:t>
+            </a:r>
+          </a:p>
+          <a:p>
+            <a:pPr marL="285750" indent="-285750">
+              <a:lnSpc>
+                <a:spcPct val="150000"/>
+              </a:lnSpc>
+              <a:buFont typeface="Arial" panose="020B0604020202020204" pitchFamily="34" charset="0"/>
+              <a:buChar char="•"/>
+            </a:pPr>
+            <a:r>
+              <a:rPr lang="en-US" sz="1600" dirty="0"/>
+              <a:t>Fusion - 2 behaviors: exploration and OSL</a:t>
+            </a:r>
+          </a:p>
+          <a:p>
+            <a:pPr marL="800100" lvl="1" indent="-342900">
+              <a:lnSpc>
+                <a:spcPct val="150000"/>
+              </a:lnSpc>
+              <a:buFont typeface="+mj-lt"/>
+              <a:buAutoNum type="arabicPeriod"/>
+            </a:pPr>
+            <a:r>
+              <a:rPr lang="en-US" sz="1600" dirty="0"/>
+              <a:t>Exploration: visit unseen parts of the environment to update environment knowledge.</a:t>
+            </a:r>
+          </a:p>
+          <a:p>
+            <a:pPr marL="800100" lvl="1" indent="-342900">
+              <a:lnSpc>
+                <a:spcPct val="150000"/>
+              </a:lnSpc>
+              <a:buFont typeface="+mj-lt"/>
+              <a:buAutoNum type="arabicPeriod"/>
+            </a:pPr>
+            <a:r>
+              <a:rPr lang="en-US" sz="1600" dirty="0"/>
+              <a:t>OSL: if odor concentration &gt; threshold</a:t>
+            </a:r>
+          </a:p>
+          <a:p>
+            <a:pPr marL="1200150" lvl="2" indent="-285750">
+              <a:lnSpc>
+                <a:spcPct val="150000"/>
+              </a:lnSpc>
+              <a:buFont typeface="Arial" panose="020B0604020202020204" pitchFamily="34" charset="0"/>
+              <a:buChar char="•"/>
+            </a:pPr>
+            <a:r>
+              <a:rPr lang="en-US" sz="1600" dirty="0"/>
+              <a:t>Calculate cosine similarity of the detected odor type to the objects in environment knowledge. Generate a sorted list of object coordinates to visit.</a:t>
+            </a:r>
+          </a:p>
+          <a:p>
+            <a:pPr marL="1200150" lvl="2" indent="-285750">
+              <a:lnSpc>
+                <a:spcPct val="150000"/>
+              </a:lnSpc>
+              <a:buFont typeface="Arial" panose="020B0604020202020204" pitchFamily="34" charset="0"/>
+              <a:buChar char="•"/>
+            </a:pPr>
+            <a:r>
+              <a:rPr lang="en-US" sz="1600" dirty="0"/>
+              <a:t>Localize the top object – if odor concentration decreases while moving towards it, localize the second object, and so on.</a:t>
+            </a:r>
+          </a:p>
+          <a:p>
+            <a:pPr marL="1200150" lvl="2" indent="-285750">
+              <a:lnSpc>
+                <a:spcPct val="150000"/>
+              </a:lnSpc>
+              <a:buFont typeface="Arial" panose="020B0604020202020204" pitchFamily="34" charset="0"/>
+              <a:buChar char="•"/>
+            </a:pPr>
+            <a:r>
+              <a:rPr lang="en-US" sz="1600" dirty="0"/>
+              <a:t>Source declaration: if the robot reaches within a threshold of the object, while odor detection keeps on rising.</a:t>
+            </a:r>
+          </a:p>
+          <a:p>
+            <a:pPr marL="742950" lvl="1" indent="-285750">
+              <a:lnSpc>
+                <a:spcPct val="150000"/>
+              </a:lnSpc>
+              <a:buFont typeface="Arial" panose="020B0604020202020204" pitchFamily="34" charset="0"/>
+              <a:buChar char="•"/>
+            </a:pPr>
+            <a:r>
+              <a:rPr lang="en-US" sz="1600" dirty="0"/>
+              <a:t>Point-goal navigation while avoiding obstacles: RL or path planning for action selection &gt; low-level controller for execution.</a:t>
+            </a:r>
+          </a:p>
+        </p:txBody>
+      </p:sp>
+    </p:spTree>
+    <p:extLst>
+      <p:ext uri="{BB962C8B-B14F-4D97-AF65-F5344CB8AC3E}">
+        <p14:creationId xmlns:p14="http://schemas.microsoft.com/office/powerpoint/2010/main" val="2095765276"/>
+      </p:ext>
+    </p:extLst>
+  </p:cSld>
+  <p:clrMapOvr>
+    <a:masterClrMapping/>
+  </p:clrMapOvr>
+</p:sld>
+</file>
+
 <file path=ppt/theme/theme1.xml><?xml version="1.0" encoding="utf-8"?>
 <a:theme xmlns:a="http://schemas.openxmlformats.org/drawingml/2006/main" name="Office Theme">
   <a:themeElements>
@@ -5001,4 +8021,299 @@
     </a:ext>
   </a:extLst>
 </a:theme>
+</file>
+
+<file path=ppt/theme/theme2.xml><?xml version="1.0" encoding="utf-8"?>
+<a:theme xmlns:a="http://schemas.openxmlformats.org/drawingml/2006/main" name="Office Theme">
+  <a:themeElements>
+    <a:clrScheme name="Office">
+      <a:dk1>
+        <a:sysClr val="windowText" lastClr="000000"/>
+      </a:dk1>
+      <a:lt1>
+        <a:sysClr val="window" lastClr="FFFFFF"/>
+      </a:lt1>
+      <a:dk2>
+        <a:srgbClr val="44546A"/>
+      </a:dk2>
+      <a:lt2>
+        <a:srgbClr val="E7E6E6"/>
+      </a:lt2>
+      <a:accent1>
+        <a:srgbClr val="4472C4"/>
+      </a:accent1>
+      <a:accent2>
+        <a:srgbClr val="ED7D31"/>
+      </a:accent2>
+      <a:accent3>
+        <a:srgbClr val="A5A5A5"/>
+      </a:accent3>
+      <a:accent4>
+        <a:srgbClr val="FFC000"/>
+      </a:accent4>
+      <a:accent5>
+        <a:srgbClr val="5B9BD5"/>
+      </a:accent5>
+      <a:accent6>
+        <a:srgbClr val="70AD47"/>
+      </a:accent6>
+      <a:hlink>
+        <a:srgbClr val="0563C1"/>
+      </a:hlink>
+      <a:folHlink>
+        <a:srgbClr val="954F72"/>
+      </a:folHlink>
+    </a:clrScheme>
+    <a:fontScheme name="Office">
+      <a:majorFont>
+        <a:latin typeface="Calibri Light" panose="020F0302020204030204"/>
+        <a:ea typeface=""/>
+        <a:cs typeface=""/>
+        <a:font script="Jpan" typeface="游ゴシック Light"/>
+        <a:font script="Hang" typeface="맑은 고딕"/>
+        <a:font script="Hans" typeface="等线 Light"/>
+        <a:font script="Hant" typeface="新細明體"/>
+        <a:font script="Arab" typeface="Times New Roman"/>
+        <a:font script="Hebr" typeface="Times New Roman"/>
+        <a:font script="Thai" typeface="Angsana New"/>
+        <a:font script="Ethi" typeface="Nyala"/>
+        <a:font script="Beng" typeface="Vrinda"/>
+        <a:font script="Gujr" typeface="Shruti"/>
+        <a:font script="Khmr" typeface="MoolBoran"/>
+        <a:font script="Knda" typeface="Tunga"/>
+        <a:font script="Guru" typeface="Raavi"/>
+        <a:font script="Cans" typeface="Euphemia"/>
+        <a:font script="Cher" typeface="Plantagenet Cherokee"/>
+        <a:font script="Yiii" typeface="Microsoft Yi Baiti"/>
+        <a:font script="Tibt" typeface="Microsoft Himalaya"/>
+        <a:font script="Thaa" typeface="MV Boli"/>
+        <a:font script="Deva" typeface="Mangal"/>
+        <a:font script="Telu" typeface="Gautami"/>
+        <a:font script="Taml" typeface="Latha"/>
+        <a:font script="Syrc" typeface="Estrangelo Edessa"/>
+        <a:font script="Orya" typeface="Kalinga"/>
+        <a:font script="Mlym" typeface="Kartika"/>
+        <a:font script="Laoo" typeface="DokChampa"/>
+        <a:font script="Sinh" typeface="Iskoola Pota"/>
+        <a:font script="Mong" typeface="Mongolian Baiti"/>
+        <a:font script="Viet" typeface="Times New Roman"/>
+        <a:font script="Uigh" typeface="Microsoft Uighur"/>
+        <a:font script="Geor" typeface="Sylfaen"/>
+        <a:font script="Armn" typeface="Arial"/>
+        <a:font script="Bugi" typeface="Leelawadee UI"/>
+        <a:font script="Bopo" typeface="Microsoft JhengHei"/>
+        <a:font script="Java" typeface="Javanese Text"/>
+        <a:font script="Lisu" typeface="Segoe UI"/>
+        <a:font script="Mymr" typeface="Myanmar Text"/>
+        <a:font script="Nkoo" typeface="Ebrima"/>
+        <a:font script="Olck" typeface="Nirmala UI"/>
+        <a:font script="Osma" typeface="Ebrima"/>
+        <a:font script="Phag" typeface="Phagspa"/>
+        <a:font script="Syrn" typeface="Estrangelo Edessa"/>
+        <a:font script="Syrj" typeface="Estrangelo Edessa"/>
+        <a:font script="Syre" typeface="Estrangelo Edessa"/>
+        <a:font script="Sora" typeface="Nirmala UI"/>
+        <a:font script="Tale" typeface="Microsoft Tai Le"/>
+        <a:font script="Talu" typeface="Microsoft New Tai Lue"/>
+        <a:font script="Tfng" typeface="Ebrima"/>
+      </a:majorFont>
+      <a:minorFont>
+        <a:latin typeface="Calibri" panose="020F0502020204030204"/>
+        <a:ea typeface=""/>
+        <a:cs typeface=""/>
+        <a:font script="Jpan" typeface="游ゴシック"/>
+        <a:font script="Hang" typeface="맑은 고딕"/>
+        <a:font script="Hans" typeface="等线"/>
+        <a:font script="Hant" typeface="新細明體"/>
+        <a:font script="Arab" typeface="Arial"/>
+        <a:font script="Hebr" typeface="Arial"/>
+        <a:font script="Thai" typeface="Cordia New"/>
+        <a:font script="Ethi" typeface="Nyala"/>
+        <a:font script="Beng" typeface="Vrinda"/>
+        <a:font script="Gujr" typeface="Shruti"/>
+        <a:font script="Khmr" typeface="DaunPenh"/>
+        <a:font script="Knda" typeface="Tunga"/>
+        <a:font script="Guru" typeface="Raavi"/>
+        <a:font script="Cans" typeface="Euphemia"/>
+        <a:font script="Cher" typeface="Plantagenet Cherokee"/>
+        <a:font script="Yiii" typeface="Microsoft Yi Baiti"/>
+        <a:font script="Tibt" typeface="Microsoft Himalaya"/>
+        <a:font script="Thaa" typeface="MV Boli"/>
+        <a:font script="Deva" typeface="Mangal"/>
+        <a:font script="Telu" typeface="Gautami"/>
+        <a:font script="Taml" typeface="Latha"/>
+        <a:font script="Syrc" typeface="Estrangelo Edessa"/>
+        <a:font script="Orya" typeface="Kalinga"/>
+        <a:font script="Mlym" typeface="Kartika"/>
+        <a:font script="Laoo" typeface="DokChampa"/>
+        <a:font script="Sinh" typeface="Iskoola Pota"/>
+        <a:font script="Mong" typeface="Mongolian Baiti"/>
+        <a:font script="Viet" typeface="Arial"/>
+        <a:font script="Uigh" typeface="Microsoft Uighur"/>
+        <a:font script="Geor" typeface="Sylfaen"/>
+        <a:font script="Armn" typeface="Arial"/>
+        <a:font script="Bugi" typeface="Leelawadee UI"/>
+        <a:font script="Bopo" typeface="Microsoft JhengHei"/>
+        <a:font script="Java" typeface="Javanese Text"/>
+        <a:font script="Lisu" typeface="Segoe UI"/>
+        <a:font script="Mymr" typeface="Myanmar Text"/>
+        <a:font script="Nkoo" typeface="Ebrima"/>
+        <a:font script="Olck" typeface="Nirmala UI"/>
+        <a:font script="Osma" typeface="Ebrima"/>
+        <a:font script="Phag" typeface="Phagspa"/>
+        <a:font script="Syrn" typeface="Estrangelo Edessa"/>
+        <a:font script="Syrj" typeface="Estrangelo Edessa"/>
+        <a:font script="Syre" typeface="Estrangelo Edessa"/>
+        <a:font script="Sora" typeface="Nirmala UI"/>
+        <a:font script="Tale" typeface="Microsoft Tai Le"/>
+        <a:font script="Talu" typeface="Microsoft New Tai Lue"/>
+        <a:font script="Tfng" typeface="Ebrima"/>
+      </a:minorFont>
+    </a:fontScheme>
+    <a:fmtScheme name="Office">
+      <a:fillStyleLst>
+        <a:solidFill>
+          <a:schemeClr val="phClr"/>
+        </a:solidFill>
+        <a:gradFill rotWithShape="1">
+          <a:gsLst>
+            <a:gs pos="0">
+              <a:schemeClr val="phClr">
+                <a:lumMod val="110000"/>
+                <a:satMod val="105000"/>
+                <a:tint val="67000"/>
+              </a:schemeClr>
+            </a:gs>
+            <a:gs pos="50000">
+              <a:schemeClr val="phClr">
+                <a:lumMod val="105000"/>
+                <a:satMod val="103000"/>
+                <a:tint val="73000"/>
+              </a:schemeClr>
+            </a:gs>
+            <a:gs pos="100000">
+              <a:schemeClr val="phClr">
+                <a:lumMod val="105000"/>
+                <a:satMod val="109000"/>
+                <a:tint val="81000"/>
+              </a:schemeClr>
+            </a:gs>
+          </a:gsLst>
+          <a:lin ang="5400000" scaled="0"/>
+        </a:gradFill>
+        <a:gradFill rotWithShape="1">
+          <a:gsLst>
+            <a:gs pos="0">
+              <a:schemeClr val="phClr">
+                <a:satMod val="103000"/>
+                <a:lumMod val="102000"/>
+                <a:tint val="94000"/>
+              </a:schemeClr>
+            </a:gs>
+            <a:gs pos="50000">
+              <a:schemeClr val="phClr">
+                <a:satMod val="110000"/>
+                <a:lumMod val="100000"/>
+                <a:shade val="100000"/>
+              </a:schemeClr>
+            </a:gs>
+            <a:gs pos="100000">
+              <a:schemeClr val="phClr">
+                <a:lumMod val="99000"/>
+                <a:satMod val="120000"/>
+                <a:shade val="78000"/>
+              </a:schemeClr>
+            </a:gs>
+          </a:gsLst>
+          <a:lin ang="5400000" scaled="0"/>
+        </a:gradFill>
+      </a:fillStyleLst>
+      <a:lnStyleLst>
+        <a:ln w="6350" cap="flat" cmpd="sng" algn="ctr">
+          <a:solidFill>
+            <a:schemeClr val="phClr"/>
+          </a:solidFill>
+          <a:prstDash val="solid"/>
+          <a:miter lim="800000"/>
+        </a:ln>
+        <a:ln w="12700" cap="flat" cmpd="sng" algn="ctr">
+          <a:solidFill>
+            <a:schemeClr val="phClr"/>
+          </a:solidFill>
+          <a:prstDash val="solid"/>
+          <a:miter lim="800000"/>
+        </a:ln>
+        <a:ln w="19050" cap="flat" cmpd="sng" algn="ctr">
+          <a:solidFill>
+            <a:schemeClr val="phClr"/>
+          </a:solidFill>
+          <a:prstDash val="solid"/>
+          <a:miter lim="800000"/>
+        </a:ln>
+      </a:lnStyleLst>
+      <a:effectStyleLst>
+        <a:effectStyle>
+          <a:effectLst/>
+        </a:effectStyle>
+        <a:effectStyle>
+          <a:effectLst/>
+        </a:effectStyle>
+        <a:effectStyle>
+          <a:effectLst>
+            <a:outerShdw blurRad="57150" dist="19050" dir="5400000" algn="ctr" rotWithShape="0">
+              <a:srgbClr val="000000">
+                <a:alpha val="63000"/>
+              </a:srgbClr>
+            </a:outerShdw>
+          </a:effectLst>
+        </a:effectStyle>
+      </a:effectStyleLst>
+      <a:bgFillStyleLst>
+        <a:solidFill>
+          <a:schemeClr val="phClr"/>
+        </a:solidFill>
+        <a:solidFill>
+          <a:schemeClr val="phClr">
+            <a:tint val="95000"/>
+            <a:satMod val="170000"/>
+          </a:schemeClr>
+        </a:solidFill>
+        <a:gradFill rotWithShape="1">
+          <a:gsLst>
+            <a:gs pos="0">
+              <a:schemeClr val="phClr">
+                <a:tint val="93000"/>
+                <a:satMod val="150000"/>
+                <a:shade val="98000"/>
+                <a:lumMod val="102000"/>
+              </a:schemeClr>
+            </a:gs>
+            <a:gs pos="50000">
+              <a:schemeClr val="phClr">
+                <a:tint val="98000"/>
+                <a:satMod val="130000"/>
+                <a:shade val="90000"/>
+                <a:lumMod val="103000"/>
+              </a:schemeClr>
+            </a:gs>
+            <a:gs pos="100000">
+              <a:schemeClr val="phClr">
+                <a:shade val="63000"/>
+                <a:satMod val="120000"/>
+              </a:schemeClr>
+            </a:gs>
+          </a:gsLst>
+          <a:lin ang="5400000" scaled="0"/>
+        </a:gradFill>
+      </a:bgFillStyleLst>
+    </a:fmtScheme>
+  </a:themeElements>
+  <a:objectDefaults/>
+  <a:extraClrSchemeLst/>
+  <a:extLst>
+    <a:ext uri="{05A4C25C-085E-4340-85A3-A5531E510DB2}">
+      <thm15:themeFamily xmlns:thm15="http://schemas.microsoft.com/office/thememl/2012/main" name="Office Theme" id="{62F939B6-93AF-4DB8-9C6B-D6C7DFDC589F}" vid="{4A3C46E8-61CC-4603-A589-7422A47A8E4A}"/>
+    </a:ext>
+  </a:extLst>
+</a:theme>
 </file>